--- a/Proyecto1/Proyecto 1 Bike Sharing Demand.pptx
+++ b/Proyecto1/Proyecto 1 Bike Sharing Demand.pptx
@@ -6,9 +6,9 @@
   </p:sldMasterIdLst>
   <p:sldIdLst>
     <p:sldId id="256" r:id="rId2"/>
-    <p:sldId id="257" r:id="rId3"/>
-    <p:sldId id="258" r:id="rId4"/>
-    <p:sldId id="259" r:id="rId5"/>
+    <p:sldId id="261" r:id="rId3"/>
+    <p:sldId id="260" r:id="rId4"/>
+    <p:sldId id="258" r:id="rId5"/>
   </p:sldIdLst>
   <p:sldSz cx="9144000" cy="6858000" type="screen4x3"/>
   <p:notesSz cx="6858000" cy="9144000"/>
@@ -107,7 +107,27 @@
       </a:defRPr>
     </a:lvl9pPr>
   </p:defaultTextStyle>
+  <p:extLst>
+    <p:ext uri="{EFAFB233-063F-42B5-8137-9DF3F51BA10A}">
+      <p15:sldGuideLst xmlns:p15="http://schemas.microsoft.com/office/powerpoint/2012/main">
+        <p15:guide id="1" orient="horz" pos="2160">
+          <p15:clr>
+            <a:srgbClr val="A4A3A4"/>
+          </p15:clr>
+        </p15:guide>
+        <p15:guide id="2" pos="2880">
+          <p15:clr>
+            <a:srgbClr val="A4A3A4"/>
+          </p15:clr>
+        </p15:guide>
+      </p15:sldGuideLst>
+    </p:ext>
+  </p:extLst>
 </p:presentation>
+</file>
+
+<file path=ppt/revisionInfo.xml><?xml version="1.0" encoding="utf-8"?>
+<p1510:revInfo xmlns:a="http://schemas.openxmlformats.org/drawingml/2006/main" xmlns:r="http://schemas.openxmlformats.org/officeDocument/2006/relationships" xmlns:p1510="http://schemas.microsoft.com/office/powerpoint/2015/10/main"/>
 </file>
 
 <file path=ppt/slideLayouts/slideLayout1.xml><?xml version="1.0" encoding="utf-8"?>
@@ -173,7 +193,7 @@
           </a:lstStyle>
           <a:p>
             <a:r>
-              <a:rPr lang="es-ES_tradnl" smtClean="0"/>
+              <a:rPr lang="es-ES_tradnl"/>
               <a:t>Clic para editar título</a:t>
             </a:r>
             <a:endParaRPr/>
@@ -303,7 +323,7 @@
           </a:lstStyle>
           <a:p>
             <a:r>
-              <a:rPr lang="es-ES_tradnl" smtClean="0"/>
+              <a:rPr lang="es-ES_tradnl"/>
               <a:t>Haga clic para modificar el estilo de subtítulo del patrón</a:t>
             </a:r>
             <a:endParaRPr/>
@@ -343,7 +363,7 @@
           <a:p>
             <a:fld id="{2DF66AD8-BC4A-4004-9882-414398D930CA}" type="datetimeFigureOut">
               <a:rPr lang="en-US" smtClean="0"/>
-              <a:t>16/06/18</a:t>
+              <a:t>6/24/2018</a:t>
             </a:fld>
             <a:endParaRPr lang="en-US"/>
           </a:p>
@@ -417,7 +437,7 @@
           <a:p>
             <a:fld id="{B9D2C864-9362-43C7-A136-D9C41D93A96D}" type="slidenum">
               <a:rPr lang="en-US" smtClean="0"/>
-              <a:t>‹Nr.›</a:t>
+              <a:t>‹Nº›</a:t>
             </a:fld>
             <a:endParaRPr lang="en-US"/>
           </a:p>
@@ -464,7 +484,7 @@
           <a:lstStyle/>
           <a:p>
             <a:r>
-              <a:rPr lang="es-ES_tradnl" smtClean="0"/>
+              <a:rPr lang="es-ES_tradnl"/>
               <a:t>Clic para editar título</a:t>
             </a:r>
             <a:endParaRPr/>
@@ -488,7 +508,7 @@
           <a:p>
             <a:fld id="{2DF66AD8-BC4A-4004-9882-414398D930CA}" type="datetimeFigureOut">
               <a:rPr lang="en-US" smtClean="0"/>
-              <a:t>16/06/18</a:t>
+              <a:t>6/24/2018</a:t>
             </a:fld>
             <a:endParaRPr lang="en-US"/>
           </a:p>
@@ -530,7 +550,7 @@
           <a:p>
             <a:fld id="{B9D2C864-9362-43C7-A136-D9C41D93A96D}" type="slidenum">
               <a:rPr lang="en-US" smtClean="0"/>
-              <a:t>‹Nr.›</a:t>
+              <a:t>‹Nº›</a:t>
             </a:fld>
             <a:endParaRPr lang="en-US"/>
           </a:p>
@@ -590,35 +610,35 @@
           <a:p>
             <a:pPr lvl="0"/>
             <a:r>
-              <a:rPr lang="es-ES_tradnl" smtClean="0"/>
+              <a:rPr lang="es-ES_tradnl"/>
               <a:t>Haga clic para modificar el estilo de texto del patrón</a:t>
             </a:r>
           </a:p>
           <a:p>
             <a:pPr lvl="1"/>
             <a:r>
-              <a:rPr lang="es-ES_tradnl" smtClean="0"/>
+              <a:rPr lang="es-ES_tradnl"/>
               <a:t>Segundo nivel</a:t>
             </a:r>
           </a:p>
           <a:p>
             <a:pPr lvl="2"/>
             <a:r>
-              <a:rPr lang="es-ES_tradnl" smtClean="0"/>
+              <a:rPr lang="es-ES_tradnl"/>
               <a:t>Tercer nivel</a:t>
             </a:r>
           </a:p>
           <a:p>
             <a:pPr lvl="3"/>
             <a:r>
-              <a:rPr lang="es-ES_tradnl" smtClean="0"/>
+              <a:rPr lang="es-ES_tradnl"/>
               <a:t>Cuarto nivel</a:t>
             </a:r>
           </a:p>
           <a:p>
             <a:pPr lvl="4"/>
             <a:r>
-              <a:rPr lang="es-ES_tradnl" smtClean="0"/>
+              <a:rPr lang="es-ES_tradnl"/>
               <a:t>Quinto nivel</a:t>
             </a:r>
             <a:endParaRPr dirty="0"/>
@@ -675,35 +695,35 @@
           <a:p>
             <a:pPr lvl="0"/>
             <a:r>
-              <a:rPr lang="es-ES_tradnl" smtClean="0"/>
+              <a:rPr lang="es-ES_tradnl"/>
               <a:t>Haga clic para modificar el estilo de texto del patrón</a:t>
             </a:r>
           </a:p>
           <a:p>
             <a:pPr lvl="1"/>
             <a:r>
-              <a:rPr lang="es-ES_tradnl" smtClean="0"/>
+              <a:rPr lang="es-ES_tradnl"/>
               <a:t>Segundo nivel</a:t>
             </a:r>
           </a:p>
           <a:p>
             <a:pPr lvl="2"/>
             <a:r>
-              <a:rPr lang="es-ES_tradnl" smtClean="0"/>
+              <a:rPr lang="es-ES_tradnl"/>
               <a:t>Tercer nivel</a:t>
             </a:r>
           </a:p>
           <a:p>
             <a:pPr lvl="3"/>
             <a:r>
-              <a:rPr lang="es-ES_tradnl" smtClean="0"/>
+              <a:rPr lang="es-ES_tradnl"/>
               <a:t>Cuarto nivel</a:t>
             </a:r>
           </a:p>
           <a:p>
             <a:pPr lvl="4"/>
             <a:r>
-              <a:rPr lang="es-ES_tradnl" smtClean="0"/>
+              <a:rPr lang="es-ES_tradnl"/>
               <a:t>Quinto nivel</a:t>
             </a:r>
             <a:endParaRPr dirty="0"/>
@@ -760,35 +780,35 @@
           <a:p>
             <a:pPr lvl="0"/>
             <a:r>
-              <a:rPr lang="es-ES_tradnl" smtClean="0"/>
+              <a:rPr lang="es-ES_tradnl"/>
               <a:t>Haga clic para modificar el estilo de texto del patrón</a:t>
             </a:r>
           </a:p>
           <a:p>
             <a:pPr lvl="1"/>
             <a:r>
-              <a:rPr lang="es-ES_tradnl" smtClean="0"/>
+              <a:rPr lang="es-ES_tradnl"/>
               <a:t>Segundo nivel</a:t>
             </a:r>
           </a:p>
           <a:p>
             <a:pPr lvl="2"/>
             <a:r>
-              <a:rPr lang="es-ES_tradnl" smtClean="0"/>
+              <a:rPr lang="es-ES_tradnl"/>
               <a:t>Tercer nivel</a:t>
             </a:r>
           </a:p>
           <a:p>
             <a:pPr lvl="3"/>
             <a:r>
-              <a:rPr lang="es-ES_tradnl" smtClean="0"/>
+              <a:rPr lang="es-ES_tradnl"/>
               <a:t>Cuarto nivel</a:t>
             </a:r>
           </a:p>
           <a:p>
             <a:pPr lvl="4"/>
             <a:r>
-              <a:rPr lang="es-ES_tradnl" smtClean="0"/>
+              <a:rPr lang="es-ES_tradnl"/>
               <a:t>Quinto nivel</a:t>
             </a:r>
             <a:endParaRPr dirty="0"/>
@@ -836,7 +856,7 @@
           <a:lstStyle/>
           <a:p>
             <a:r>
-              <a:rPr lang="es-ES_tradnl" smtClean="0"/>
+              <a:rPr lang="es-ES_tradnl"/>
               <a:t>Clic para editar título</a:t>
             </a:r>
             <a:endParaRPr/>
@@ -893,35 +913,35 @@
           <a:p>
             <a:pPr lvl="0"/>
             <a:r>
-              <a:rPr lang="es-ES_tradnl" smtClean="0"/>
+              <a:rPr lang="es-ES_tradnl"/>
               <a:t>Haga clic para modificar el estilo de texto del patrón</a:t>
             </a:r>
           </a:p>
           <a:p>
             <a:pPr lvl="1"/>
             <a:r>
-              <a:rPr lang="es-ES_tradnl" smtClean="0"/>
+              <a:rPr lang="es-ES_tradnl"/>
               <a:t>Segundo nivel</a:t>
             </a:r>
           </a:p>
           <a:p>
             <a:pPr lvl="2"/>
             <a:r>
-              <a:rPr lang="es-ES_tradnl" smtClean="0"/>
+              <a:rPr lang="es-ES_tradnl"/>
               <a:t>Tercer nivel</a:t>
             </a:r>
           </a:p>
           <a:p>
             <a:pPr lvl="3"/>
             <a:r>
-              <a:rPr lang="es-ES_tradnl" smtClean="0"/>
+              <a:rPr lang="es-ES_tradnl"/>
               <a:t>Cuarto nivel</a:t>
             </a:r>
           </a:p>
           <a:p>
             <a:pPr lvl="4"/>
             <a:r>
-              <a:rPr lang="es-ES_tradnl" smtClean="0"/>
+              <a:rPr lang="es-ES_tradnl"/>
               <a:t>Quinto nivel</a:t>
             </a:r>
             <a:endParaRPr dirty="0"/>
@@ -945,7 +965,7 @@
           <a:p>
             <a:fld id="{2DF66AD8-BC4A-4004-9882-414398D930CA}" type="datetimeFigureOut">
               <a:rPr lang="en-US" smtClean="0"/>
-              <a:t>16/06/18</a:t>
+              <a:t>6/24/2018</a:t>
             </a:fld>
             <a:endParaRPr lang="en-US"/>
           </a:p>
@@ -987,7 +1007,7 @@
           <a:p>
             <a:fld id="{B9D2C864-9362-43C7-A136-D9C41D93A96D}" type="slidenum">
               <a:rPr lang="en-US" smtClean="0"/>
-              <a:t>‹Nr.›</a:t>
+              <a:t>‹Nº›</a:t>
             </a:fld>
             <a:endParaRPr lang="en-US"/>
           </a:p>
@@ -1043,35 +1063,35 @@
           <a:p>
             <a:pPr lvl="0"/>
             <a:r>
-              <a:rPr lang="es-ES_tradnl" smtClean="0"/>
+              <a:rPr lang="es-ES_tradnl"/>
               <a:t>Haga clic para modificar el estilo de texto del patrón</a:t>
             </a:r>
           </a:p>
           <a:p>
             <a:pPr lvl="1"/>
             <a:r>
-              <a:rPr lang="es-ES_tradnl" smtClean="0"/>
+              <a:rPr lang="es-ES_tradnl"/>
               <a:t>Segundo nivel</a:t>
             </a:r>
           </a:p>
           <a:p>
             <a:pPr lvl="2"/>
             <a:r>
-              <a:rPr lang="es-ES_tradnl" smtClean="0"/>
+              <a:rPr lang="es-ES_tradnl"/>
               <a:t>Tercer nivel</a:t>
             </a:r>
           </a:p>
           <a:p>
             <a:pPr lvl="3"/>
             <a:r>
-              <a:rPr lang="es-ES_tradnl" smtClean="0"/>
+              <a:rPr lang="es-ES_tradnl"/>
               <a:t>Cuarto nivel</a:t>
             </a:r>
           </a:p>
           <a:p>
             <a:pPr lvl="4"/>
             <a:r>
-              <a:rPr lang="es-ES_tradnl" smtClean="0"/>
+              <a:rPr lang="es-ES_tradnl"/>
               <a:t>Quinto nivel</a:t>
             </a:r>
             <a:endParaRPr dirty="0"/>
@@ -1128,35 +1148,35 @@
           <a:p>
             <a:pPr lvl="0"/>
             <a:r>
-              <a:rPr lang="es-ES_tradnl" smtClean="0"/>
+              <a:rPr lang="es-ES_tradnl"/>
               <a:t>Haga clic para modificar el estilo de texto del patrón</a:t>
             </a:r>
           </a:p>
           <a:p>
             <a:pPr lvl="1"/>
             <a:r>
-              <a:rPr lang="es-ES_tradnl" smtClean="0"/>
+              <a:rPr lang="es-ES_tradnl"/>
               <a:t>Segundo nivel</a:t>
             </a:r>
           </a:p>
           <a:p>
             <a:pPr lvl="2"/>
             <a:r>
-              <a:rPr lang="es-ES_tradnl" smtClean="0"/>
+              <a:rPr lang="es-ES_tradnl"/>
               <a:t>Tercer nivel</a:t>
             </a:r>
           </a:p>
           <a:p>
             <a:pPr lvl="3"/>
             <a:r>
-              <a:rPr lang="es-ES_tradnl" smtClean="0"/>
+              <a:rPr lang="es-ES_tradnl"/>
               <a:t>Cuarto nivel</a:t>
             </a:r>
           </a:p>
           <a:p>
             <a:pPr lvl="4"/>
             <a:r>
-              <a:rPr lang="es-ES_tradnl" smtClean="0"/>
+              <a:rPr lang="es-ES_tradnl"/>
               <a:t>Quinto nivel</a:t>
             </a:r>
             <a:endParaRPr dirty="0"/>
@@ -1213,35 +1233,35 @@
           <a:p>
             <a:pPr lvl="0"/>
             <a:r>
-              <a:rPr lang="es-ES_tradnl" smtClean="0"/>
+              <a:rPr lang="es-ES_tradnl"/>
               <a:t>Haga clic para modificar el estilo de texto del patrón</a:t>
             </a:r>
           </a:p>
           <a:p>
             <a:pPr lvl="1"/>
             <a:r>
-              <a:rPr lang="es-ES_tradnl" smtClean="0"/>
+              <a:rPr lang="es-ES_tradnl"/>
               <a:t>Segundo nivel</a:t>
             </a:r>
           </a:p>
           <a:p>
             <a:pPr lvl="2"/>
             <a:r>
-              <a:rPr lang="es-ES_tradnl" smtClean="0"/>
+              <a:rPr lang="es-ES_tradnl"/>
               <a:t>Tercer nivel</a:t>
             </a:r>
           </a:p>
           <a:p>
             <a:pPr lvl="3"/>
             <a:r>
-              <a:rPr lang="es-ES_tradnl" smtClean="0"/>
+              <a:rPr lang="es-ES_tradnl"/>
               <a:t>Cuarto nivel</a:t>
             </a:r>
           </a:p>
           <a:p>
             <a:pPr lvl="4"/>
             <a:r>
-              <a:rPr lang="es-ES_tradnl" smtClean="0"/>
+              <a:rPr lang="es-ES_tradnl"/>
               <a:t>Quinto nivel</a:t>
             </a:r>
             <a:endParaRPr dirty="0"/>
@@ -1289,7 +1309,7 @@
           <a:lstStyle/>
           <a:p>
             <a:r>
-              <a:rPr lang="es-ES_tradnl" smtClean="0"/>
+              <a:rPr lang="es-ES_tradnl"/>
               <a:t>Clic para editar título</a:t>
             </a:r>
             <a:endParaRPr/>
@@ -1313,7 +1333,7 @@
           <a:p>
             <a:fld id="{2DF66AD8-BC4A-4004-9882-414398D930CA}" type="datetimeFigureOut">
               <a:rPr lang="en-US" smtClean="0"/>
-              <a:t>16/06/18</a:t>
+              <a:t>6/24/2018</a:t>
             </a:fld>
             <a:endParaRPr lang="en-US"/>
           </a:p>
@@ -1355,7 +1375,7 @@
           <a:p>
             <a:fld id="{B9D2C864-9362-43C7-A136-D9C41D93A96D}" type="slidenum">
               <a:rPr lang="en-US" smtClean="0"/>
-              <a:t>‹Nr.›</a:t>
+              <a:t>‹Nº›</a:t>
             </a:fld>
             <a:endParaRPr lang="en-US"/>
           </a:p>
@@ -1403,7 +1423,7 @@
           <a:p>
             <a:fld id="{2DF66AD8-BC4A-4004-9882-414398D930CA}" type="datetimeFigureOut">
               <a:rPr lang="en-US" smtClean="0"/>
-              <a:t>16/06/18</a:t>
+              <a:t>6/24/2018</a:t>
             </a:fld>
             <a:endParaRPr lang="en-US"/>
           </a:p>
@@ -1445,7 +1465,7 @@
           <a:p>
             <a:fld id="{B9D2C864-9362-43C7-A136-D9C41D93A96D}" type="slidenum">
               <a:rPr lang="en-US" smtClean="0"/>
-              <a:t>‹Nr.›</a:t>
+              <a:t>‹Nº›</a:t>
             </a:fld>
             <a:endParaRPr lang="en-US"/>
           </a:p>
@@ -1504,7 +1524,7 @@
           </a:lstStyle>
           <a:p>
             <a:r>
-              <a:rPr lang="es-ES_tradnl" smtClean="0"/>
+              <a:rPr lang="es-ES_tradnl"/>
               <a:t>Clic para editar título</a:t>
             </a:r>
             <a:endParaRPr/>
@@ -1561,35 +1581,35 @@
           <a:p>
             <a:pPr lvl="0"/>
             <a:r>
-              <a:rPr lang="es-ES_tradnl" smtClean="0"/>
+              <a:rPr lang="es-ES_tradnl"/>
               <a:t>Haga clic para modificar el estilo de texto del patrón</a:t>
             </a:r>
           </a:p>
           <a:p>
             <a:pPr lvl="1"/>
             <a:r>
-              <a:rPr lang="es-ES_tradnl" smtClean="0"/>
+              <a:rPr lang="es-ES_tradnl"/>
               <a:t>Segundo nivel</a:t>
             </a:r>
           </a:p>
           <a:p>
             <a:pPr lvl="2"/>
             <a:r>
-              <a:rPr lang="es-ES_tradnl" smtClean="0"/>
+              <a:rPr lang="es-ES_tradnl"/>
               <a:t>Tercer nivel</a:t>
             </a:r>
           </a:p>
           <a:p>
             <a:pPr lvl="3"/>
             <a:r>
-              <a:rPr lang="es-ES_tradnl" smtClean="0"/>
+              <a:rPr lang="es-ES_tradnl"/>
               <a:t>Cuarto nivel</a:t>
             </a:r>
           </a:p>
           <a:p>
             <a:pPr lvl="4"/>
             <a:r>
-              <a:rPr lang="es-ES_tradnl" smtClean="0"/>
+              <a:rPr lang="es-ES_tradnl"/>
               <a:t>Quinto nivel</a:t>
             </a:r>
             <a:endParaRPr dirty="0"/>
@@ -1658,7 +1678,7 @@
           <a:p>
             <a:pPr lvl="0"/>
             <a:r>
-              <a:rPr lang="es-ES_tradnl" smtClean="0"/>
+              <a:rPr lang="es-ES_tradnl"/>
               <a:t>Haga clic para modificar el estilo de texto del patrón</a:t>
             </a:r>
           </a:p>
@@ -1681,7 +1701,7 @@
           <a:p>
             <a:fld id="{2DF66AD8-BC4A-4004-9882-414398D930CA}" type="datetimeFigureOut">
               <a:rPr lang="en-US" smtClean="0"/>
-              <a:t>16/06/18</a:t>
+              <a:t>6/24/2018</a:t>
             </a:fld>
             <a:endParaRPr lang="en-US"/>
           </a:p>
@@ -1723,7 +1743,7 @@
           <a:p>
             <a:fld id="{B9D2C864-9362-43C7-A136-D9C41D93A96D}" type="slidenum">
               <a:rPr lang="en-US" smtClean="0"/>
-              <a:t>‹Nr.›</a:t>
+              <a:t>‹Nº›</a:t>
             </a:fld>
             <a:endParaRPr lang="en-US"/>
           </a:p>
@@ -1782,7 +1802,7 @@
           </a:lstStyle>
           <a:p>
             <a:r>
-              <a:rPr lang="es-ES_tradnl" smtClean="0"/>
+              <a:rPr lang="es-ES_tradnl"/>
               <a:t>Clic para editar título</a:t>
             </a:r>
             <a:endParaRPr/>
@@ -1851,7 +1871,7 @@
           <a:p>
             <a:pPr lvl="0"/>
             <a:r>
-              <a:rPr lang="es-ES_tradnl" smtClean="0"/>
+              <a:rPr lang="es-ES_tradnl"/>
               <a:t>Haga clic para modificar el estilo de texto del patrón</a:t>
             </a:r>
           </a:p>
@@ -1874,7 +1894,7 @@
           <a:p>
             <a:fld id="{2DF66AD8-BC4A-4004-9882-414398D930CA}" type="datetimeFigureOut">
               <a:rPr lang="en-US" smtClean="0"/>
-              <a:t>16/06/18</a:t>
+              <a:t>6/24/2018</a:t>
             </a:fld>
             <a:endParaRPr lang="en-US"/>
           </a:p>
@@ -1916,7 +1936,7 @@
           <a:p>
             <a:fld id="{B9D2C864-9362-43C7-A136-D9C41D93A96D}" type="slidenum">
               <a:rPr lang="en-US" smtClean="0"/>
-              <a:t>‹Nr.›</a:t>
+              <a:t>‹Nº›</a:t>
             </a:fld>
             <a:endParaRPr lang="en-US"/>
           </a:p>
@@ -2098,7 +2118,7 @@
           </a:lstStyle>
           <a:p>
             <a:r>
-              <a:rPr lang="es-ES_tradnl" smtClean="0"/>
+              <a:rPr lang="es-ES_tradnl"/>
               <a:t>Arrastre la imagen al marcador de posición o haga clic en el icono para agregar</a:t>
             </a:r>
             <a:endParaRPr/>
@@ -2306,7 +2326,7 @@
           </a:lstStyle>
           <a:p>
             <a:r>
-              <a:rPr lang="es-ES_tradnl" smtClean="0"/>
+              <a:rPr lang="es-ES_tradnl"/>
               <a:t>Arrastre la imagen al marcador de posición o haga clic en el icono para agregar</a:t>
             </a:r>
             <a:endParaRPr/>
@@ -2489,7 +2509,7 @@
           </a:lstStyle>
           <a:p>
             <a:r>
-              <a:rPr lang="es-ES_tradnl" smtClean="0"/>
+              <a:rPr lang="es-ES_tradnl"/>
               <a:t>Arrastre la imagen al marcador de posición o haga clic en el icono para agregar</a:t>
             </a:r>
             <a:endParaRPr/>
@@ -2524,7 +2544,7 @@
           </a:lstStyle>
           <a:p>
             <a:r>
-              <a:rPr lang="es-ES_tradnl" smtClean="0"/>
+              <a:rPr lang="es-ES_tradnl"/>
               <a:t>Clic para editar título</a:t>
             </a:r>
             <a:endParaRPr/>
@@ -2593,7 +2613,7 @@
           <a:p>
             <a:pPr lvl="0"/>
             <a:r>
-              <a:rPr lang="es-ES_tradnl" smtClean="0"/>
+              <a:rPr lang="es-ES_tradnl"/>
               <a:t>Haga clic para modificar el estilo de texto del patrón</a:t>
             </a:r>
           </a:p>
@@ -2616,7 +2636,7 @@
           <a:p>
             <a:fld id="{2DF66AD8-BC4A-4004-9882-414398D930CA}" type="datetimeFigureOut">
               <a:rPr lang="en-US" smtClean="0"/>
-              <a:t>16/06/18</a:t>
+              <a:t>6/24/2018</a:t>
             </a:fld>
             <a:endParaRPr lang="en-US"/>
           </a:p>
@@ -2658,7 +2678,7 @@
           <a:p>
             <a:fld id="{B9D2C864-9362-43C7-A136-D9C41D93A96D}" type="slidenum">
               <a:rPr lang="en-US" smtClean="0"/>
-              <a:t>‹Nr.›</a:t>
+              <a:t>‹Nº›</a:t>
             </a:fld>
             <a:endParaRPr lang="en-US"/>
           </a:p>
@@ -2717,7 +2737,7 @@
           </a:lstStyle>
           <a:p>
             <a:r>
-              <a:rPr lang="es-ES_tradnl" smtClean="0"/>
+              <a:rPr lang="es-ES_tradnl"/>
               <a:t>Clic para editar título</a:t>
             </a:r>
             <a:endParaRPr/>
@@ -2931,7 +2951,7 @@
           <a:p>
             <a:pPr lvl="0"/>
             <a:r>
-              <a:rPr lang="es-ES_tradnl" smtClean="0"/>
+              <a:rPr lang="es-ES_tradnl"/>
               <a:t>Haga clic para modificar el estilo de texto del patrón</a:t>
             </a:r>
           </a:p>
@@ -2954,7 +2974,7 @@
           <a:p>
             <a:fld id="{2DF66AD8-BC4A-4004-9882-414398D930CA}" type="datetimeFigureOut">
               <a:rPr lang="en-US" smtClean="0"/>
-              <a:t>16/06/18</a:t>
+              <a:t>6/24/2018</a:t>
             </a:fld>
             <a:endParaRPr lang="en-US"/>
           </a:p>
@@ -2996,7 +3016,7 @@
           <a:p>
             <a:fld id="{B9D2C864-9362-43C7-A136-D9C41D93A96D}" type="slidenum">
               <a:rPr lang="en-US" smtClean="0"/>
-              <a:t>‹Nr.›</a:t>
+              <a:t>‹Nº›</a:t>
             </a:fld>
             <a:endParaRPr lang="en-US"/>
           </a:p>
@@ -3033,7 +3053,7 @@
           </a:lstStyle>
           <a:p>
             <a:r>
-              <a:rPr lang="es-ES_tradnl" smtClean="0"/>
+              <a:rPr lang="es-ES_tradnl"/>
               <a:t>Arrastre la imagen al marcador de posición o haga clic en el icono para agregar</a:t>
             </a:r>
             <a:endParaRPr/>
@@ -3093,7 +3113,7 @@
           </a:lstStyle>
           <a:p>
             <a:r>
-              <a:rPr lang="es-ES_tradnl" smtClean="0"/>
+              <a:rPr lang="es-ES_tradnl"/>
               <a:t>Clic para editar título</a:t>
             </a:r>
             <a:endParaRPr/>
@@ -3276,7 +3296,7 @@
           </a:lstStyle>
           <a:p>
             <a:r>
-              <a:rPr lang="es-ES_tradnl" smtClean="0"/>
+              <a:rPr lang="es-ES_tradnl"/>
               <a:t>Arrastre la imagen al marcador de posición o haga clic en el icono para agregar</a:t>
             </a:r>
             <a:endParaRPr/>
@@ -3459,7 +3479,7 @@
           </a:lstStyle>
           <a:p>
             <a:r>
-              <a:rPr lang="es-ES_tradnl" smtClean="0"/>
+              <a:rPr lang="es-ES_tradnl"/>
               <a:t>Arrastre la imagen al marcador de posición o haga clic en el icono para agregar</a:t>
             </a:r>
             <a:endParaRPr/>
@@ -3528,7 +3548,7 @@
           <a:p>
             <a:pPr lvl="0"/>
             <a:r>
-              <a:rPr lang="es-ES_tradnl" smtClean="0"/>
+              <a:rPr lang="es-ES_tradnl"/>
               <a:t>Haga clic para modificar el estilo de texto del patrón</a:t>
             </a:r>
           </a:p>
@@ -3551,7 +3571,7 @@
           <a:p>
             <a:fld id="{2DF66AD8-BC4A-4004-9882-414398D930CA}" type="datetimeFigureOut">
               <a:rPr lang="en-US" smtClean="0"/>
-              <a:t>16/06/18</a:t>
+              <a:t>6/24/2018</a:t>
             </a:fld>
             <a:endParaRPr lang="en-US"/>
           </a:p>
@@ -3593,7 +3613,7 @@
           <a:p>
             <a:fld id="{B9D2C864-9362-43C7-A136-D9C41D93A96D}" type="slidenum">
               <a:rPr lang="en-US" smtClean="0"/>
-              <a:t>‹Nr.›</a:t>
+              <a:t>‹Nº›</a:t>
             </a:fld>
             <a:endParaRPr lang="en-US"/>
           </a:p>
@@ -3654,7 +3674,7 @@
           <a:lstStyle/>
           <a:p>
             <a:r>
-              <a:rPr lang="es-ES_tradnl" smtClean="0"/>
+              <a:rPr lang="es-ES_tradnl"/>
               <a:t>Clic para editar título</a:t>
             </a:r>
             <a:endParaRPr/>
@@ -3682,35 +3702,35 @@
           <a:p>
             <a:pPr lvl="0"/>
             <a:r>
-              <a:rPr lang="es-ES_tradnl" smtClean="0"/>
+              <a:rPr lang="es-ES_tradnl"/>
               <a:t>Haga clic para modificar el estilo de texto del patrón</a:t>
             </a:r>
           </a:p>
           <a:p>
             <a:pPr lvl="1"/>
             <a:r>
-              <a:rPr lang="es-ES_tradnl" smtClean="0"/>
+              <a:rPr lang="es-ES_tradnl"/>
               <a:t>Segundo nivel</a:t>
             </a:r>
           </a:p>
           <a:p>
             <a:pPr lvl="2"/>
             <a:r>
-              <a:rPr lang="es-ES_tradnl" smtClean="0"/>
+              <a:rPr lang="es-ES_tradnl"/>
               <a:t>Tercer nivel</a:t>
             </a:r>
           </a:p>
           <a:p>
             <a:pPr lvl="3"/>
             <a:r>
-              <a:rPr lang="es-ES_tradnl" smtClean="0"/>
+              <a:rPr lang="es-ES_tradnl"/>
               <a:t>Cuarto nivel</a:t>
             </a:r>
           </a:p>
           <a:p>
             <a:pPr lvl="4"/>
             <a:r>
-              <a:rPr lang="es-ES_tradnl" smtClean="0"/>
+              <a:rPr lang="es-ES_tradnl"/>
               <a:t>Quinto nivel</a:t>
             </a:r>
             <a:endParaRPr dirty="0"/>
@@ -3734,7 +3754,7 @@
           <a:p>
             <a:fld id="{2DF66AD8-BC4A-4004-9882-414398D930CA}" type="datetimeFigureOut">
               <a:rPr lang="en-US" smtClean="0"/>
-              <a:t>16/06/18</a:t>
+              <a:t>6/24/2018</a:t>
             </a:fld>
             <a:endParaRPr lang="en-US"/>
           </a:p>
@@ -3776,7 +3796,7 @@
           <a:p>
             <a:fld id="{B9D2C864-9362-43C7-A136-D9C41D93A96D}" type="slidenum">
               <a:rPr lang="en-US" smtClean="0"/>
-              <a:t>‹Nr.›</a:t>
+              <a:t>‹Nº›</a:t>
             </a:fld>
             <a:endParaRPr lang="en-US"/>
           </a:p>
@@ -3823,7 +3843,7 @@
           <a:lstStyle/>
           <a:p>
             <a:r>
-              <a:rPr lang="es-ES_tradnl" smtClean="0"/>
+              <a:rPr lang="es-ES_tradnl"/>
               <a:t>Clic para editar título</a:t>
             </a:r>
             <a:endParaRPr/>
@@ -3851,35 +3871,35 @@
           <a:p>
             <a:pPr lvl="0"/>
             <a:r>
-              <a:rPr lang="es-ES_tradnl" smtClean="0"/>
+              <a:rPr lang="es-ES_tradnl"/>
               <a:t>Haga clic para modificar el estilo de texto del patrón</a:t>
             </a:r>
           </a:p>
           <a:p>
             <a:pPr lvl="1"/>
             <a:r>
-              <a:rPr lang="es-ES_tradnl" smtClean="0"/>
+              <a:rPr lang="es-ES_tradnl"/>
               <a:t>Segundo nivel</a:t>
             </a:r>
           </a:p>
           <a:p>
             <a:pPr lvl="2"/>
             <a:r>
-              <a:rPr lang="es-ES_tradnl" smtClean="0"/>
+              <a:rPr lang="es-ES_tradnl"/>
               <a:t>Tercer nivel</a:t>
             </a:r>
           </a:p>
           <a:p>
             <a:pPr lvl="3"/>
             <a:r>
-              <a:rPr lang="es-ES_tradnl" smtClean="0"/>
+              <a:rPr lang="es-ES_tradnl"/>
               <a:t>Cuarto nivel</a:t>
             </a:r>
           </a:p>
           <a:p>
             <a:pPr lvl="4"/>
             <a:r>
-              <a:rPr lang="es-ES_tradnl" smtClean="0"/>
+              <a:rPr lang="es-ES_tradnl"/>
               <a:t>Quinto nivel</a:t>
             </a:r>
             <a:endParaRPr dirty="0"/>
@@ -3903,7 +3923,7 @@
           <a:p>
             <a:fld id="{2DF66AD8-BC4A-4004-9882-414398D930CA}" type="datetimeFigureOut">
               <a:rPr lang="en-US" smtClean="0"/>
-              <a:t>16/06/18</a:t>
+              <a:t>6/24/2018</a:t>
             </a:fld>
             <a:endParaRPr lang="en-US"/>
           </a:p>
@@ -3945,7 +3965,7 @@
           <a:p>
             <a:fld id="{B9D2C864-9362-43C7-A136-D9C41D93A96D}" type="slidenum">
               <a:rPr lang="en-US" smtClean="0"/>
-              <a:t>‹Nr.›</a:t>
+              <a:t>‹Nº›</a:t>
             </a:fld>
             <a:endParaRPr lang="en-US"/>
           </a:p>
@@ -4011,7 +4031,7 @@
           <a:lstStyle/>
           <a:p>
             <a:r>
-              <a:rPr lang="es-ES_tradnl" smtClean="0"/>
+              <a:rPr lang="es-ES_tradnl"/>
               <a:t>Clic para editar título</a:t>
             </a:r>
             <a:endParaRPr/>
@@ -4044,35 +4064,35 @@
           <a:p>
             <a:pPr lvl="0"/>
             <a:r>
-              <a:rPr lang="es-ES_tradnl" smtClean="0"/>
+              <a:rPr lang="es-ES_tradnl"/>
               <a:t>Haga clic para modificar el estilo de texto del patrón</a:t>
             </a:r>
           </a:p>
           <a:p>
             <a:pPr lvl="1"/>
             <a:r>
-              <a:rPr lang="es-ES_tradnl" smtClean="0"/>
+              <a:rPr lang="es-ES_tradnl"/>
               <a:t>Segundo nivel</a:t>
             </a:r>
           </a:p>
           <a:p>
             <a:pPr lvl="2"/>
             <a:r>
-              <a:rPr lang="es-ES_tradnl" smtClean="0"/>
+              <a:rPr lang="es-ES_tradnl"/>
               <a:t>Tercer nivel</a:t>
             </a:r>
           </a:p>
           <a:p>
             <a:pPr lvl="3"/>
             <a:r>
-              <a:rPr lang="es-ES_tradnl" smtClean="0"/>
+              <a:rPr lang="es-ES_tradnl"/>
               <a:t>Cuarto nivel</a:t>
             </a:r>
           </a:p>
           <a:p>
             <a:pPr lvl="4"/>
             <a:r>
-              <a:rPr lang="es-ES_tradnl" smtClean="0"/>
+              <a:rPr lang="es-ES_tradnl"/>
               <a:t>Quinto nivel</a:t>
             </a:r>
             <a:endParaRPr dirty="0"/>
@@ -4096,7 +4116,7 @@
           <a:p>
             <a:fld id="{2DF66AD8-BC4A-4004-9882-414398D930CA}" type="datetimeFigureOut">
               <a:rPr lang="en-US" smtClean="0"/>
-              <a:t>16/06/18</a:t>
+              <a:t>6/24/2018</a:t>
             </a:fld>
             <a:endParaRPr lang="en-US"/>
           </a:p>
@@ -4138,7 +4158,7 @@
           <a:p>
             <a:fld id="{B9D2C864-9362-43C7-A136-D9C41D93A96D}" type="slidenum">
               <a:rPr lang="en-US" smtClean="0"/>
-              <a:t>‹Nr.›</a:t>
+              <a:t>‹Nº›</a:t>
             </a:fld>
             <a:endParaRPr lang="en-US"/>
           </a:p>
@@ -4319,7 +4339,7 @@
           <a:p>
             <a:pPr lvl="0"/>
             <a:r>
-              <a:rPr lang="es-ES_tradnl" smtClean="0"/>
+              <a:rPr lang="es-ES_tradnl"/>
               <a:t>Haga clic para modificar el estilo de texto del patrón</a:t>
             </a:r>
           </a:p>
@@ -4355,7 +4375,7 @@
           </a:lstStyle>
           <a:p>
             <a:r>
-              <a:rPr lang="es-ES_tradnl" smtClean="0"/>
+              <a:rPr lang="es-ES_tradnl"/>
               <a:t>Clic para editar título</a:t>
             </a:r>
             <a:endParaRPr dirty="0"/>
@@ -4480,7 +4500,7 @@
           </a:lstStyle>
           <a:p>
             <a:r>
-              <a:rPr lang="es-ES_tradnl" smtClean="0"/>
+              <a:rPr lang="es-ES_tradnl"/>
               <a:t>Haga clic para modificar el estilo de subtítulo del patrón</a:t>
             </a:r>
             <a:endParaRPr dirty="0"/>
@@ -4515,7 +4535,7 @@
           <a:p>
             <a:fld id="{2DF66AD8-BC4A-4004-9882-414398D930CA}" type="datetimeFigureOut">
               <a:rPr lang="en-US" smtClean="0"/>
-              <a:t>16/06/18</a:t>
+              <a:t>6/24/2018</a:t>
             </a:fld>
             <a:endParaRPr lang="en-US"/>
           </a:p>
@@ -4580,7 +4600,7 @@
           <a:p>
             <a:fld id="{B9D2C864-9362-43C7-A136-D9C41D93A96D}" type="slidenum">
               <a:rPr lang="en-US" smtClean="0"/>
-              <a:t>‹Nr.›</a:t>
+              <a:t>‹Nº›</a:t>
             </a:fld>
             <a:endParaRPr lang="en-US"/>
           </a:p>
@@ -4657,7 +4677,7 @@
           </a:lstStyle>
           <a:p>
             <a:r>
-              <a:rPr lang="es-ES_tradnl" smtClean="0"/>
+              <a:rPr lang="es-ES_tradnl"/>
               <a:t>Clic para editar título</a:t>
             </a:r>
             <a:endParaRPr/>
@@ -4790,7 +4810,7 @@
               <a:buNone/>
             </a:pPr>
             <a:r>
-              <a:rPr lang="es-ES_tradnl" smtClean="0"/>
+              <a:rPr lang="es-ES_tradnl"/>
               <a:t>Haga clic para modificar el estilo de texto del patrón</a:t>
             </a:r>
           </a:p>
@@ -4813,7 +4833,7 @@
           <a:p>
             <a:fld id="{2DF66AD8-BC4A-4004-9882-414398D930CA}" type="datetimeFigureOut">
               <a:rPr lang="en-US" smtClean="0"/>
-              <a:t>16/06/18</a:t>
+              <a:t>6/24/2018</a:t>
             </a:fld>
             <a:endParaRPr lang="en-US"/>
           </a:p>
@@ -4855,7 +4875,7 @@
           <a:p>
             <a:fld id="{B9D2C864-9362-43C7-A136-D9C41D93A96D}" type="slidenum">
               <a:rPr lang="en-US" smtClean="0"/>
-              <a:t>‹Nr.›</a:t>
+              <a:t>‹Nº›</a:t>
             </a:fld>
             <a:endParaRPr lang="en-US"/>
           </a:p>
@@ -5036,7 +5056,7 @@
           <a:p>
             <a:pPr lvl="0"/>
             <a:r>
-              <a:rPr lang="es-ES_tradnl" smtClean="0"/>
+              <a:rPr lang="es-ES_tradnl"/>
               <a:t>Haga clic para modificar el estilo de texto del patrón</a:t>
             </a:r>
           </a:p>
@@ -5070,7 +5090,7 @@
           </a:lstStyle>
           <a:p>
             <a:r>
-              <a:rPr lang="es-ES_tradnl" smtClean="0"/>
+              <a:rPr lang="es-ES_tradnl"/>
               <a:t>Clic para editar título</a:t>
             </a:r>
             <a:endParaRPr/>
@@ -5191,7 +5211,7 @@
           <a:p>
             <a:pPr lvl="0"/>
             <a:r>
-              <a:rPr lang="es-ES_tradnl" smtClean="0"/>
+              <a:rPr lang="es-ES_tradnl"/>
               <a:t>Haga clic para modificar el estilo de texto del patrón</a:t>
             </a:r>
           </a:p>
@@ -5214,7 +5234,7 @@
           <a:p>
             <a:fld id="{2DF66AD8-BC4A-4004-9882-414398D930CA}" type="datetimeFigureOut">
               <a:rPr lang="en-US" smtClean="0"/>
-              <a:t>16/06/18</a:t>
+              <a:t>6/24/2018</a:t>
             </a:fld>
             <a:endParaRPr lang="en-US"/>
           </a:p>
@@ -5256,7 +5276,7 @@
           <a:p>
             <a:fld id="{B9D2C864-9362-43C7-A136-D9C41D93A96D}" type="slidenum">
               <a:rPr lang="en-US" smtClean="0"/>
-              <a:t>‹Nr.›</a:t>
+              <a:t>‹Nº›</a:t>
             </a:fld>
             <a:endParaRPr lang="en-US"/>
           </a:p>
@@ -5329,7 +5349,7 @@
           </a:lstStyle>
           <a:p>
             <a:r>
-              <a:rPr lang="es-ES_tradnl" smtClean="0"/>
+              <a:rPr lang="es-ES_tradnl"/>
               <a:t>Clic para editar título</a:t>
             </a:r>
             <a:endParaRPr/>
@@ -5512,7 +5532,7 @@
           </a:lstStyle>
           <a:p>
             <a:r>
-              <a:rPr lang="es-ES_tradnl" smtClean="0"/>
+              <a:rPr lang="es-ES_tradnl"/>
               <a:t>Arrastre la imagen al marcador de posición o haga clic en el icono para agregar</a:t>
             </a:r>
             <a:endParaRPr/>
@@ -5581,7 +5601,7 @@
           <a:p>
             <a:pPr lvl="0"/>
             <a:r>
-              <a:rPr lang="es-ES_tradnl" smtClean="0"/>
+              <a:rPr lang="es-ES_tradnl"/>
               <a:t>Haga clic para modificar el estilo de texto del patrón</a:t>
             </a:r>
           </a:p>
@@ -5604,7 +5624,7 @@
           <a:p>
             <a:fld id="{2DF66AD8-BC4A-4004-9882-414398D930CA}" type="datetimeFigureOut">
               <a:rPr lang="en-US" smtClean="0"/>
-              <a:t>16/06/18</a:t>
+              <a:t>6/24/2018</a:t>
             </a:fld>
             <a:endParaRPr lang="en-US"/>
           </a:p>
@@ -5646,7 +5666,7 @@
           <a:p>
             <a:fld id="{B9D2C864-9362-43C7-A136-D9C41D93A96D}" type="slidenum">
               <a:rPr lang="en-US" smtClean="0"/>
-              <a:t>‹Nr.›</a:t>
+              <a:t>‹Nº›</a:t>
             </a:fld>
             <a:endParaRPr lang="en-US"/>
           </a:p>
@@ -5693,7 +5713,7 @@
           <a:lstStyle/>
           <a:p>
             <a:r>
-              <a:rPr lang="es-ES_tradnl" smtClean="0"/>
+              <a:rPr lang="es-ES_tradnl"/>
               <a:t>Clic para editar título</a:t>
             </a:r>
             <a:endParaRPr/>
@@ -5750,35 +5770,35 @@
           <a:p>
             <a:pPr lvl="0"/>
             <a:r>
-              <a:rPr lang="es-ES_tradnl" smtClean="0"/>
+              <a:rPr lang="es-ES_tradnl"/>
               <a:t>Haga clic para modificar el estilo de texto del patrón</a:t>
             </a:r>
           </a:p>
           <a:p>
             <a:pPr lvl="1"/>
             <a:r>
-              <a:rPr lang="es-ES_tradnl" smtClean="0"/>
+              <a:rPr lang="es-ES_tradnl"/>
               <a:t>Segundo nivel</a:t>
             </a:r>
           </a:p>
           <a:p>
             <a:pPr lvl="2"/>
             <a:r>
-              <a:rPr lang="es-ES_tradnl" smtClean="0"/>
+              <a:rPr lang="es-ES_tradnl"/>
               <a:t>Tercer nivel</a:t>
             </a:r>
           </a:p>
           <a:p>
             <a:pPr lvl="3"/>
             <a:r>
-              <a:rPr lang="es-ES_tradnl" smtClean="0"/>
+              <a:rPr lang="es-ES_tradnl"/>
               <a:t>Cuarto nivel</a:t>
             </a:r>
           </a:p>
           <a:p>
             <a:pPr lvl="4"/>
             <a:r>
-              <a:rPr lang="es-ES_tradnl" smtClean="0"/>
+              <a:rPr lang="es-ES_tradnl"/>
               <a:t>Quinto nivel</a:t>
             </a:r>
             <a:endParaRPr dirty="0"/>
@@ -5835,35 +5855,35 @@
           <a:p>
             <a:pPr lvl="0"/>
             <a:r>
-              <a:rPr lang="es-ES_tradnl" smtClean="0"/>
+              <a:rPr lang="es-ES_tradnl"/>
               <a:t>Haga clic para modificar el estilo de texto del patrón</a:t>
             </a:r>
           </a:p>
           <a:p>
             <a:pPr lvl="1"/>
             <a:r>
-              <a:rPr lang="es-ES_tradnl" smtClean="0"/>
+              <a:rPr lang="es-ES_tradnl"/>
               <a:t>Segundo nivel</a:t>
             </a:r>
           </a:p>
           <a:p>
             <a:pPr lvl="2"/>
             <a:r>
-              <a:rPr lang="es-ES_tradnl" smtClean="0"/>
+              <a:rPr lang="es-ES_tradnl"/>
               <a:t>Tercer nivel</a:t>
             </a:r>
           </a:p>
           <a:p>
             <a:pPr lvl="3"/>
             <a:r>
-              <a:rPr lang="es-ES_tradnl" smtClean="0"/>
+              <a:rPr lang="es-ES_tradnl"/>
               <a:t>Cuarto nivel</a:t>
             </a:r>
           </a:p>
           <a:p>
             <a:pPr lvl="4"/>
             <a:r>
-              <a:rPr lang="es-ES_tradnl" smtClean="0"/>
+              <a:rPr lang="es-ES_tradnl"/>
               <a:t>Quinto nivel</a:t>
             </a:r>
             <a:endParaRPr dirty="0"/>
@@ -5887,7 +5907,7 @@
           <a:p>
             <a:fld id="{2DF66AD8-BC4A-4004-9882-414398D930CA}" type="datetimeFigureOut">
               <a:rPr lang="en-US" smtClean="0"/>
-              <a:t>16/06/18</a:t>
+              <a:t>6/24/2018</a:t>
             </a:fld>
             <a:endParaRPr lang="en-US"/>
           </a:p>
@@ -5929,7 +5949,7 @@
           <a:p>
             <a:fld id="{B9D2C864-9362-43C7-A136-D9C41D93A96D}" type="slidenum">
               <a:rPr lang="en-US" smtClean="0"/>
-              <a:t>‹Nr.›</a:t>
+              <a:t>‹Nº›</a:t>
             </a:fld>
             <a:endParaRPr lang="en-US"/>
           </a:p>
@@ -5980,7 +6000,7 @@
           </a:lstStyle>
           <a:p>
             <a:r>
-              <a:rPr lang="es-ES_tradnl" smtClean="0"/>
+              <a:rPr lang="es-ES_tradnl"/>
               <a:t>Clic para editar título</a:t>
             </a:r>
             <a:endParaRPr/>
@@ -6057,7 +6077,7 @@
           <a:p>
             <a:pPr lvl="0"/>
             <a:r>
-              <a:rPr lang="es-ES_tradnl" smtClean="0"/>
+              <a:rPr lang="es-ES_tradnl"/>
               <a:t>Haga clic para modificar el estilo de texto del patrón</a:t>
             </a:r>
           </a:p>
@@ -6113,35 +6133,35 @@
           <a:p>
             <a:pPr lvl="0"/>
             <a:r>
-              <a:rPr lang="es-ES_tradnl" smtClean="0"/>
+              <a:rPr lang="es-ES_tradnl"/>
               <a:t>Haga clic para modificar el estilo de texto del patrón</a:t>
             </a:r>
           </a:p>
           <a:p>
             <a:pPr lvl="1"/>
             <a:r>
-              <a:rPr lang="es-ES_tradnl" smtClean="0"/>
+              <a:rPr lang="es-ES_tradnl"/>
               <a:t>Segundo nivel</a:t>
             </a:r>
           </a:p>
           <a:p>
             <a:pPr lvl="2"/>
             <a:r>
-              <a:rPr lang="es-ES_tradnl" smtClean="0"/>
+              <a:rPr lang="es-ES_tradnl"/>
               <a:t>Tercer nivel</a:t>
             </a:r>
           </a:p>
           <a:p>
             <a:pPr lvl="3"/>
             <a:r>
-              <a:rPr lang="es-ES_tradnl" smtClean="0"/>
+              <a:rPr lang="es-ES_tradnl"/>
               <a:t>Cuarto nivel</a:t>
             </a:r>
           </a:p>
           <a:p>
             <a:pPr lvl="4"/>
             <a:r>
-              <a:rPr lang="es-ES_tradnl" smtClean="0"/>
+              <a:rPr lang="es-ES_tradnl"/>
               <a:t>Quinto nivel</a:t>
             </a:r>
             <a:endParaRPr dirty="0"/>
@@ -6218,7 +6238,7 @@
           <a:p>
             <a:pPr lvl="0"/>
             <a:r>
-              <a:rPr lang="es-ES_tradnl" smtClean="0"/>
+              <a:rPr lang="es-ES_tradnl"/>
               <a:t>Haga clic para modificar el estilo de texto del patrón</a:t>
             </a:r>
           </a:p>
@@ -6274,35 +6294,35 @@
           <a:p>
             <a:pPr lvl="0"/>
             <a:r>
-              <a:rPr lang="es-ES_tradnl" smtClean="0"/>
+              <a:rPr lang="es-ES_tradnl"/>
               <a:t>Haga clic para modificar el estilo de texto del patrón</a:t>
             </a:r>
           </a:p>
           <a:p>
             <a:pPr lvl="1"/>
             <a:r>
-              <a:rPr lang="es-ES_tradnl" smtClean="0"/>
+              <a:rPr lang="es-ES_tradnl"/>
               <a:t>Segundo nivel</a:t>
             </a:r>
           </a:p>
           <a:p>
             <a:pPr lvl="2"/>
             <a:r>
-              <a:rPr lang="es-ES_tradnl" smtClean="0"/>
+              <a:rPr lang="es-ES_tradnl"/>
               <a:t>Tercer nivel</a:t>
             </a:r>
           </a:p>
           <a:p>
             <a:pPr lvl="3"/>
             <a:r>
-              <a:rPr lang="es-ES_tradnl" smtClean="0"/>
+              <a:rPr lang="es-ES_tradnl"/>
               <a:t>Cuarto nivel</a:t>
             </a:r>
           </a:p>
           <a:p>
             <a:pPr lvl="4"/>
             <a:r>
-              <a:rPr lang="es-ES_tradnl" smtClean="0"/>
+              <a:rPr lang="es-ES_tradnl"/>
               <a:t>Quinto nivel</a:t>
             </a:r>
             <a:endParaRPr dirty="0"/>
@@ -6326,7 +6346,7 @@
           <a:p>
             <a:fld id="{2DF66AD8-BC4A-4004-9882-414398D930CA}" type="datetimeFigureOut">
               <a:rPr lang="en-US" smtClean="0"/>
-              <a:t>16/06/18</a:t>
+              <a:t>6/24/2018</a:t>
             </a:fld>
             <a:endParaRPr lang="en-US"/>
           </a:p>
@@ -6368,7 +6388,7 @@
           <a:p>
             <a:fld id="{B9D2C864-9362-43C7-A136-D9C41D93A96D}" type="slidenum">
               <a:rPr lang="en-US" smtClean="0"/>
-              <a:t>‹Nr.›</a:t>
+              <a:t>‹Nº›</a:t>
             </a:fld>
             <a:endParaRPr lang="en-US"/>
           </a:p>
@@ -6511,7 +6531,7 @@
           <a:lstStyle/>
           <a:p>
             <a:r>
-              <a:rPr lang="es-ES_tradnl" smtClean="0"/>
+              <a:rPr lang="es-ES_tradnl"/>
               <a:t>Clic para editar título</a:t>
             </a:r>
             <a:endParaRPr/>
@@ -6568,35 +6588,35 @@
           <a:p>
             <a:pPr lvl="0"/>
             <a:r>
-              <a:rPr lang="es-ES_tradnl" smtClean="0"/>
+              <a:rPr lang="es-ES_tradnl"/>
               <a:t>Haga clic para modificar el estilo de texto del patrón</a:t>
             </a:r>
           </a:p>
           <a:p>
             <a:pPr lvl="1"/>
             <a:r>
-              <a:rPr lang="es-ES_tradnl" smtClean="0"/>
+              <a:rPr lang="es-ES_tradnl"/>
               <a:t>Segundo nivel</a:t>
             </a:r>
           </a:p>
           <a:p>
             <a:pPr lvl="2"/>
             <a:r>
-              <a:rPr lang="es-ES_tradnl" smtClean="0"/>
+              <a:rPr lang="es-ES_tradnl"/>
               <a:t>Tercer nivel</a:t>
             </a:r>
           </a:p>
           <a:p>
             <a:pPr lvl="3"/>
             <a:r>
-              <a:rPr lang="es-ES_tradnl" smtClean="0"/>
+              <a:rPr lang="es-ES_tradnl"/>
               <a:t>Cuarto nivel</a:t>
             </a:r>
           </a:p>
           <a:p>
             <a:pPr lvl="4"/>
             <a:r>
-              <a:rPr lang="es-ES_tradnl" smtClean="0"/>
+              <a:rPr lang="es-ES_tradnl"/>
               <a:t>Quinto nivel</a:t>
             </a:r>
             <a:endParaRPr dirty="0"/>
@@ -6620,7 +6640,7 @@
           <a:p>
             <a:fld id="{2DF66AD8-BC4A-4004-9882-414398D930CA}" type="datetimeFigureOut">
               <a:rPr lang="en-US" smtClean="0"/>
-              <a:t>16/06/18</a:t>
+              <a:t>6/24/2018</a:t>
             </a:fld>
             <a:endParaRPr lang="en-US"/>
           </a:p>
@@ -6662,7 +6682,7 @@
           <a:p>
             <a:fld id="{B9D2C864-9362-43C7-A136-D9C41D93A96D}" type="slidenum">
               <a:rPr lang="en-US" smtClean="0"/>
-              <a:t>‹Nr.›</a:t>
+              <a:t>‹Nº›</a:t>
             </a:fld>
             <a:endParaRPr lang="en-US"/>
           </a:p>
@@ -6718,35 +6738,35 @@
           <a:p>
             <a:pPr lvl="0"/>
             <a:r>
-              <a:rPr lang="es-ES_tradnl" smtClean="0"/>
+              <a:rPr lang="es-ES_tradnl"/>
               <a:t>Haga clic para modificar el estilo de texto del patrón</a:t>
             </a:r>
           </a:p>
           <a:p>
             <a:pPr lvl="1"/>
             <a:r>
-              <a:rPr lang="es-ES_tradnl" smtClean="0"/>
+              <a:rPr lang="es-ES_tradnl"/>
               <a:t>Segundo nivel</a:t>
             </a:r>
           </a:p>
           <a:p>
             <a:pPr lvl="2"/>
             <a:r>
-              <a:rPr lang="es-ES_tradnl" smtClean="0"/>
+              <a:rPr lang="es-ES_tradnl"/>
               <a:t>Tercer nivel</a:t>
             </a:r>
           </a:p>
           <a:p>
             <a:pPr lvl="3"/>
             <a:r>
-              <a:rPr lang="es-ES_tradnl" smtClean="0"/>
+              <a:rPr lang="es-ES_tradnl"/>
               <a:t>Cuarto nivel</a:t>
             </a:r>
           </a:p>
           <a:p>
             <a:pPr lvl="4"/>
             <a:r>
-              <a:rPr lang="es-ES_tradnl" smtClean="0"/>
+              <a:rPr lang="es-ES_tradnl"/>
               <a:t>Quinto nivel</a:t>
             </a:r>
             <a:endParaRPr dirty="0"/>
@@ -6809,7 +6829,7 @@
           <a:lstStyle/>
           <a:p>
             <a:r>
-              <a:rPr lang="es-ES_tradnl" smtClean="0"/>
+              <a:rPr lang="es-ES_tradnl"/>
               <a:t>Clic para editar título</a:t>
             </a:r>
             <a:endParaRPr/>
@@ -6843,35 +6863,35 @@
           <a:p>
             <a:pPr lvl="0"/>
             <a:r>
-              <a:rPr lang="es-ES_tradnl" smtClean="0"/>
+              <a:rPr lang="es-ES_tradnl"/>
               <a:t>Haga clic para modificar el estilo de texto del patrón</a:t>
             </a:r>
           </a:p>
           <a:p>
             <a:pPr lvl="1"/>
             <a:r>
-              <a:rPr lang="es-ES_tradnl" smtClean="0"/>
+              <a:rPr lang="es-ES_tradnl"/>
               <a:t>Segundo nivel</a:t>
             </a:r>
           </a:p>
           <a:p>
             <a:pPr lvl="2"/>
             <a:r>
-              <a:rPr lang="es-ES_tradnl" smtClean="0"/>
+              <a:rPr lang="es-ES_tradnl"/>
               <a:t>Tercer nivel</a:t>
             </a:r>
           </a:p>
           <a:p>
             <a:pPr lvl="3"/>
             <a:r>
-              <a:rPr lang="es-ES_tradnl" smtClean="0"/>
+              <a:rPr lang="es-ES_tradnl"/>
               <a:t>Cuarto nivel</a:t>
             </a:r>
           </a:p>
           <a:p>
             <a:pPr lvl="4"/>
             <a:r>
-              <a:rPr lang="es-ES_tradnl" smtClean="0"/>
+              <a:rPr lang="es-ES_tradnl"/>
               <a:t>Quinto nivel</a:t>
             </a:r>
             <a:endParaRPr dirty="0"/>
@@ -6912,7 +6932,7 @@
           <a:p>
             <a:fld id="{2DF66AD8-BC4A-4004-9882-414398D930CA}" type="datetimeFigureOut">
               <a:rPr lang="en-US" smtClean="0"/>
-              <a:t>16/06/18</a:t>
+              <a:t>6/24/2018</a:t>
             </a:fld>
             <a:endParaRPr lang="en-US"/>
           </a:p>
@@ -7000,7 +7020,7 @@
           <a:p>
             <a:fld id="{B9D2C864-9362-43C7-A136-D9C41D93A96D}" type="slidenum">
               <a:rPr lang="en-US" smtClean="0"/>
-              <a:t>‹Nr.›</a:t>
+              <a:t>‹Nº›</a:t>
             </a:fld>
             <a:endParaRPr lang="en-US"/>
           </a:p>
@@ -7349,10 +7369,9 @@
           <a:lstStyle/>
           <a:p>
             <a:r>
-              <a:rPr lang="es-ES" dirty="0" smtClean="0"/>
+              <a:rPr lang="es-ES" dirty="0"/>
               <a:t>Demanda de uso de bicicletas compartidas</a:t>
             </a:r>
-            <a:endParaRPr lang="es-ES" dirty="0"/>
           </a:p>
         </p:txBody>
       </p:sp>
@@ -7368,7 +7387,7 @@
         </p:nvSpPr>
         <p:spPr>
           <a:xfrm>
-            <a:off x="5882215" y="4921250"/>
+            <a:off x="6114229" y="5030434"/>
             <a:ext cx="2804585" cy="1418167"/>
           </a:xfrm>
         </p:spPr>
@@ -7377,28 +7396,27 @@
           <a:lstStyle/>
           <a:p>
             <a:r>
-              <a:rPr lang="es-ES" dirty="0" smtClean="0"/>
+              <a:rPr lang="es-ES" dirty="0"/>
               <a:t>Camilo Yate</a:t>
             </a:r>
           </a:p>
           <a:p>
             <a:r>
-              <a:rPr lang="es-ES" dirty="0" smtClean="0"/>
+              <a:rPr lang="es-ES" dirty="0"/>
               <a:t>Nicolás Lozada</a:t>
             </a:r>
           </a:p>
           <a:p>
             <a:r>
-              <a:rPr lang="es-ES" dirty="0" smtClean="0"/>
+              <a:rPr lang="es-ES" dirty="0"/>
               <a:t>Ricardo Blanco</a:t>
             </a:r>
           </a:p>
           <a:p>
             <a:r>
-              <a:rPr lang="es-ES" dirty="0" smtClean="0"/>
+              <a:rPr lang="es-ES" dirty="0"/>
               <a:t>Alexandra Pinzon</a:t>
             </a:r>
-            <a:endParaRPr lang="es-ES" dirty="0"/>
           </a:p>
         </p:txBody>
       </p:sp>
@@ -7424,6 +7442,47 @@
           <a:prstGeom prst="rect">
             <a:avLst/>
           </a:prstGeom>
+        </p:spPr>
+      </p:pic>
+      <p:pic>
+        <p:nvPicPr>
+          <p:cNvPr id="5" name="Picture 4" descr="Resultado de imagen para uniandes png"/>
+          <p:cNvPicPr>
+            <a:picLocks noChangeAspect="1" noChangeArrowheads="1"/>
+          </p:cNvPicPr>
+          <p:nvPr/>
+        </p:nvPicPr>
+        <p:blipFill>
+          <a:blip r:embed="rId3" cstate="email">
+            <a:extLst>
+              <a:ext uri="{28A0092B-C50C-407E-A947-70E740481C1C}">
+                <a14:useLocalDpi xmlns:a14="http://schemas.microsoft.com/office/drawing/2010/main" val="0"/>
+              </a:ext>
+            </a:extLst>
+          </a:blip>
+          <a:srcRect/>
+          <a:stretch>
+            <a:fillRect/>
+          </a:stretch>
+        </p:blipFill>
+        <p:spPr bwMode="auto">
+          <a:xfrm>
+            <a:off x="4672986" y="4981036"/>
+            <a:ext cx="1277440" cy="1516961"/>
+          </a:xfrm>
+          <a:prstGeom prst="rect">
+            <a:avLst/>
+          </a:prstGeom>
+          <a:noFill/>
+          <a:extLst>
+            <a:ext uri="{909E8E84-426E-40DD-AFC4-6F175D3DCCD1}">
+              <a14:hiddenFill xmlns:a14="http://schemas.microsoft.com/office/drawing/2010/main">
+                <a:solidFill>
+                  <a:srgbClr val="FFFFFF"/>
+                </a:solidFill>
+              </a14:hiddenFill>
+            </a:ext>
+          </a:extLst>
         </p:spPr>
       </p:pic>
     </p:spTree>
@@ -7468,7 +7527,7 @@
         </p:nvSpPr>
         <p:spPr>
           <a:xfrm>
-            <a:off x="766233" y="333905"/>
+            <a:off x="238818" y="197427"/>
             <a:ext cx="7313613" cy="868362"/>
           </a:xfrm>
         </p:spPr>
@@ -7476,6 +7535,7 @@
           <a:bodyPr/>
           <a:lstStyle/>
           <a:p>
+            <a:pPr algn="l"/>
             <a:r>
               <a:rPr lang="es-ES" dirty="0" smtClean="0"/>
               <a:t>Descripción del problema </a:t>
@@ -7496,71 +7556,68 @@
         </p:nvSpPr>
         <p:spPr>
           <a:xfrm>
-            <a:off x="861483" y="1525589"/>
-            <a:ext cx="7313613" cy="4056062"/>
+            <a:off x="238819" y="1102075"/>
+            <a:ext cx="8755056" cy="1641125"/>
           </a:xfrm>
         </p:spPr>
         <p:txBody>
-          <a:bodyPr/>
+          <a:bodyPr>
+            <a:normAutofit/>
+          </a:bodyPr>
           <a:lstStyle/>
           <a:p>
             <a:pPr marL="0" indent="0" algn="just">
               <a:buNone/>
             </a:pPr>
             <a:r>
-              <a:rPr lang="es-ES" dirty="0" smtClean="0"/>
+              <a:rPr lang="es-ES" sz="2000" dirty="0" smtClean="0"/>
               <a:t>El sistema </a:t>
             </a:r>
             <a:r>
-              <a:rPr lang="es-ES" dirty="0"/>
+              <a:rPr lang="es-ES" sz="2000" dirty="0"/>
               <a:t>de bicicletas </a:t>
             </a:r>
             <a:r>
-              <a:rPr lang="es-ES" dirty="0" smtClean="0"/>
-              <a:t>compartidas de Washington, requiere estimar la demanda de uso en las diferentes estaciones del  año, a través de patrones de uso históricos con datos meteorológicos, con el fin de poder :</a:t>
-            </a:r>
-          </a:p>
-          <a:p>
-            <a:r>
-              <a:rPr lang="es-ES" dirty="0"/>
-              <a:t>P</a:t>
-            </a:r>
-            <a:r>
-              <a:rPr lang="es-ES" dirty="0" smtClean="0"/>
-              <a:t>resupuestar los recursos</a:t>
-            </a:r>
-            <a:r>
-              <a:rPr lang="es-ES" dirty="0"/>
-              <a:t> </a:t>
-            </a:r>
-            <a:endParaRPr lang="es-ES" dirty="0" smtClean="0"/>
-          </a:p>
-          <a:p>
-            <a:r>
-              <a:rPr lang="es-ES" dirty="0" smtClean="0"/>
-              <a:t>Dimensionar logística de funcionamiento </a:t>
-            </a:r>
-          </a:p>
-          <a:p>
-            <a:r>
-              <a:rPr lang="es-ES" dirty="0" smtClean="0"/>
-              <a:t>Estimar reparaciones </a:t>
-            </a:r>
-          </a:p>
-          <a:p>
-            <a:r>
-              <a:rPr lang="es-ES" dirty="0" smtClean="0"/>
-              <a:t>Proyectar ingresos  </a:t>
-            </a:r>
-          </a:p>
-          <a:p>
-            <a:pPr marL="0" indent="0">
-              <a:buNone/>
-            </a:pPr>
-            <a:endParaRPr lang="es-ES" dirty="0" smtClean="0"/>
-          </a:p>
-          <a:p>
-            <a:endParaRPr lang="es-ES" dirty="0"/>
+              <a:rPr lang="es-ES" sz="2000" dirty="0" smtClean="0"/>
+              <a:t>compartidas de Washington, requiere estimar la demanda de uso en las diferentes estaciones del  año, a través de patrones de uso históricos con datos meteorológicos, con el fin de poder </a:t>
+            </a:r>
+            <a:r>
+              <a:rPr lang="es-ES" sz="2000" dirty="0" smtClean="0"/>
+              <a:t>: presupuestar </a:t>
+            </a:r>
+            <a:r>
+              <a:rPr lang="es-ES" sz="2000" dirty="0" smtClean="0"/>
+              <a:t>los </a:t>
+            </a:r>
+            <a:r>
+              <a:rPr lang="es-ES" sz="2000" dirty="0" smtClean="0"/>
+              <a:t>recursos</a:t>
+            </a:r>
+            <a:r>
+              <a:rPr lang="es-ES" sz="2000" dirty="0" smtClean="0"/>
+              <a:t>, d</a:t>
+            </a:r>
+            <a:r>
+              <a:rPr lang="es-ES" sz="2000" dirty="0" smtClean="0"/>
+              <a:t>imensionar  la logística </a:t>
+            </a:r>
+            <a:r>
+              <a:rPr lang="es-ES" sz="2000" dirty="0" smtClean="0"/>
+              <a:t>de </a:t>
+            </a:r>
+            <a:r>
+              <a:rPr lang="es-ES" sz="2000" dirty="0" smtClean="0"/>
+              <a:t>funcionamiento, estimar </a:t>
+            </a:r>
+            <a:r>
+              <a:rPr lang="es-ES" sz="2000" dirty="0" smtClean="0"/>
+              <a:t>reparaciones </a:t>
+            </a:r>
+            <a:r>
+              <a:rPr lang="es-ES" sz="2000" dirty="0" smtClean="0"/>
+              <a:t>y proyectar ingresos. Se cuentan con las variables: </a:t>
+            </a:r>
+            <a:endParaRPr lang="es-ES" sz="2000" dirty="0"/>
           </a:p>
         </p:txBody>
       </p:sp>
@@ -7580,7 +7637,7 @@
         </p:blipFill>
         <p:spPr>
           <a:xfrm>
-            <a:off x="6503142" y="4865324"/>
+            <a:off x="6670519" y="5005180"/>
             <a:ext cx="2323356" cy="1432653"/>
           </a:xfrm>
           <a:prstGeom prst="rect">
@@ -7588,10 +7645,72 @@
           </a:prstGeom>
         </p:spPr>
       </p:pic>
+      <p:pic>
+        <p:nvPicPr>
+          <p:cNvPr id="5" name="Imagen 4"/>
+          <p:cNvPicPr>
+            <a:picLocks noChangeAspect="1"/>
+          </p:cNvPicPr>
+          <p:nvPr/>
+        </p:nvPicPr>
+        <p:blipFill>
+          <a:blip r:embed="rId3"/>
+          <a:stretch>
+            <a:fillRect/>
+          </a:stretch>
+        </p:blipFill>
+        <p:spPr>
+          <a:xfrm>
+            <a:off x="348018" y="2885008"/>
+            <a:ext cx="5943600" cy="3552825"/>
+          </a:xfrm>
+          <a:prstGeom prst="rect">
+            <a:avLst/>
+          </a:prstGeom>
+        </p:spPr>
+      </p:pic>
+      <p:sp>
+        <p:nvSpPr>
+          <p:cNvPr id="6" name="CuadroTexto 5"/>
+          <p:cNvSpPr txBox="1"/>
+          <p:nvPr/>
+        </p:nvSpPr>
+        <p:spPr>
+          <a:xfrm>
+            <a:off x="66947" y="6579641"/>
+            <a:ext cx="3828677" cy="276999"/>
+          </a:xfrm>
+          <a:prstGeom prst="rect">
+            <a:avLst/>
+          </a:prstGeom>
+          <a:noFill/>
+        </p:spPr>
+        <p:txBody>
+          <a:bodyPr wrap="none" rtlCol="0">
+            <a:spAutoFit/>
+          </a:bodyPr>
+          <a:lstStyle/>
+          <a:p>
+            <a:r>
+              <a:rPr lang="en-US" sz="1200" dirty="0">
+                <a:hlinkClick r:id="rId4"/>
+              </a:rPr>
+              <a:t>https://</a:t>
+            </a:r>
+            <a:r>
+              <a:rPr lang="en-US" sz="1200" dirty="0" smtClean="0">
+                <a:hlinkClick r:id="rId4"/>
+              </a:rPr>
+              <a:t>www.kaggle.com/c/bike-sharing-demand#evaluation</a:t>
+            </a:r>
+            <a:endParaRPr lang="en-US" sz="1200" dirty="0"/>
+          </a:p>
+        </p:txBody>
+      </p:sp>
     </p:spTree>
     <p:extLst>
       <p:ext uri="{BB962C8B-B14F-4D97-AF65-F5344CB8AC3E}">
-        <p14:creationId xmlns:p14="http://schemas.microsoft.com/office/powerpoint/2010/main" val="1252942902"/>
+        <p14:creationId xmlns:p14="http://schemas.microsoft.com/office/powerpoint/2010/main" val="3081971467"/>
       </p:ext>
     </p:extLst>
   </p:cSld>
@@ -7628,20 +7747,20 @@
             <p:ph type="title"/>
           </p:nvPr>
         </p:nvSpPr>
-        <p:spPr/>
+        <p:spPr>
+          <a:xfrm>
+            <a:off x="914399" y="264087"/>
+            <a:ext cx="7313613" cy="868362"/>
+          </a:xfrm>
+        </p:spPr>
         <p:txBody>
           <a:bodyPr/>
           <a:lstStyle/>
           <a:p>
             <a:r>
-              <a:rPr lang="es-ES" dirty="0" smtClean="0"/>
-              <a:t>Metodolog</a:t>
-            </a:r>
-            <a:r>
-              <a:rPr lang="es-ES" dirty="0" smtClean="0"/>
-              <a:t>ías de abordaje </a:t>
-            </a:r>
-            <a:endParaRPr lang="es-ES" dirty="0"/>
+              <a:rPr lang="es-ES" dirty="0"/>
+              <a:t>Metodologías de abordaje </a:t>
+            </a:r>
           </a:p>
         </p:txBody>
       </p:sp>
@@ -7655,50 +7774,885 @@
             <p:ph idx="1"/>
           </p:nvPr>
         </p:nvSpPr>
-        <p:spPr/>
-        <p:txBody>
-          <a:bodyPr/>
+        <p:spPr>
+          <a:xfrm>
+            <a:off x="211015" y="1132449"/>
+            <a:ext cx="8539090" cy="808893"/>
+          </a:xfrm>
+        </p:spPr>
+        <p:txBody>
+          <a:bodyPr>
+            <a:normAutofit/>
+          </a:bodyPr>
           <a:lstStyle/>
           <a:p>
-            <a:r>
-              <a:rPr lang="es-ES" dirty="0" smtClean="0"/>
-              <a:t>Regresi</a:t>
-            </a:r>
-            <a:r>
-              <a:rPr lang="es-ES" dirty="0" smtClean="0"/>
-              <a:t>ón Lineal </a:t>
-            </a:r>
-          </a:p>
-          <a:p>
-            <a:endParaRPr lang="es-ES" dirty="0"/>
-          </a:p>
-          <a:p>
-            <a:endParaRPr lang="es-ES" dirty="0" smtClean="0"/>
-          </a:p>
-          <a:p>
-            <a:endParaRPr lang="es-ES" dirty="0"/>
-          </a:p>
-          <a:p>
-            <a:r>
-              <a:rPr lang="es-ES" dirty="0" err="1" smtClean="0"/>
-              <a:t>Random</a:t>
-            </a:r>
-            <a:r>
-              <a:rPr lang="es-ES" dirty="0" smtClean="0"/>
-              <a:t> </a:t>
-            </a:r>
-            <a:r>
-              <a:rPr lang="es-ES" dirty="0" err="1" smtClean="0"/>
-              <a:t>Forest</a:t>
-            </a:r>
-            <a:endParaRPr lang="es-ES" dirty="0"/>
+            <a:pPr algn="just"/>
+            <a:r>
+              <a:rPr lang="es-ES" sz="2000" b="1" dirty="0"/>
+              <a:t>Valores ausentes</a:t>
+            </a:r>
+            <a:r>
+              <a:rPr lang="es-ES" sz="2000" dirty="0"/>
+              <a:t>: Se analiza la estructura de la información proporcionada y se observa que no es necesario aplicar metodologías para valores ausentes.</a:t>
+            </a:r>
+          </a:p>
+        </p:txBody>
+      </p:sp>
+      <p:sp>
+        <p:nvSpPr>
+          <p:cNvPr id="4" name="Marcador de contenido 2">
+            <a:extLst>
+              <a:ext uri="{FF2B5EF4-FFF2-40B4-BE49-F238E27FC236}">
+                <a16:creationId xmlns:a16="http://schemas.microsoft.com/office/drawing/2014/main" xmlns="" id="{C2F0DCCE-DBB3-4DE9-BF7F-E9C83BE74804}"/>
+              </a:ext>
+            </a:extLst>
+          </p:cNvPr>
+          <p:cNvSpPr txBox="1">
+            <a:spLocks/>
+          </p:cNvSpPr>
+          <p:nvPr/>
+        </p:nvSpPr>
+        <p:spPr>
+          <a:xfrm>
+            <a:off x="211016" y="1941342"/>
+            <a:ext cx="5261316" cy="1698103"/>
+          </a:xfrm>
+          <a:prstGeom prst="rect">
+            <a:avLst/>
+          </a:prstGeom>
+        </p:spPr>
+        <p:txBody>
+          <a:bodyPr vert="horz" lIns="91440" tIns="45720" rIns="91440" bIns="45720" rtlCol="0">
+            <a:normAutofit/>
+          </a:bodyPr>
+          <a:lstStyle>
+            <a:lvl1pPr marL="463550" indent="-463550" algn="l" defTabSz="914400" rtl="0" eaLnBrk="1" latinLnBrk="0" hangingPunct="1">
+              <a:spcBef>
+                <a:spcPts val="2000"/>
+              </a:spcBef>
+              <a:buSzPct val="90000"/>
+              <a:buFontTx/>
+              <a:buBlip>
+                <a:blip r:embed="rId2"/>
+              </a:buBlip>
+              <a:defRPr sz="2400" kern="1200">
+                <a:solidFill>
+                  <a:schemeClr val="tx1"/>
+                </a:solidFill>
+                <a:latin typeface="+mn-lt"/>
+                <a:ea typeface="+mn-ea"/>
+                <a:cs typeface="+mn-cs"/>
+              </a:defRPr>
+            </a:lvl1pPr>
+            <a:lvl2pPr marL="914400" indent="-457200" algn="l" defTabSz="914400" rtl="0" eaLnBrk="1" latinLnBrk="0" hangingPunct="1">
+              <a:spcBef>
+                <a:spcPts val="600"/>
+              </a:spcBef>
+              <a:buSzPct val="90000"/>
+              <a:buFontTx/>
+              <a:buBlip>
+                <a:blip r:embed="rId3"/>
+              </a:buBlip>
+              <a:defRPr sz="2200" kern="1200">
+                <a:solidFill>
+                  <a:schemeClr val="tx1"/>
+                </a:solidFill>
+                <a:latin typeface="+mn-lt"/>
+                <a:ea typeface="+mn-ea"/>
+                <a:cs typeface="+mn-cs"/>
+              </a:defRPr>
+            </a:lvl2pPr>
+            <a:lvl3pPr marL="1255713" indent="-341313" algn="l" defTabSz="914400" rtl="0" eaLnBrk="1" latinLnBrk="0" hangingPunct="1">
+              <a:spcBef>
+                <a:spcPts val="600"/>
+              </a:spcBef>
+              <a:buSzPct val="90000"/>
+              <a:buFontTx/>
+              <a:buBlip>
+                <a:blip r:embed="rId4"/>
+              </a:buBlip>
+              <a:defRPr sz="2000" kern="1200">
+                <a:solidFill>
+                  <a:schemeClr val="tx1"/>
+                </a:solidFill>
+                <a:latin typeface="+mn-lt"/>
+                <a:ea typeface="+mn-ea"/>
+                <a:cs typeface="+mn-cs"/>
+              </a:defRPr>
+            </a:lvl3pPr>
+            <a:lvl4pPr marL="1597025" indent="-341313" algn="l" defTabSz="914400" rtl="0" eaLnBrk="1" latinLnBrk="0" hangingPunct="1">
+              <a:spcBef>
+                <a:spcPts val="600"/>
+              </a:spcBef>
+              <a:buSzPct val="90000"/>
+              <a:buFontTx/>
+              <a:buBlip>
+                <a:blip r:embed="rId4"/>
+              </a:buBlip>
+              <a:defRPr sz="1800" kern="1200">
+                <a:solidFill>
+                  <a:schemeClr val="tx1"/>
+                </a:solidFill>
+                <a:latin typeface="+mn-lt"/>
+                <a:ea typeface="+mn-ea"/>
+                <a:cs typeface="+mn-cs"/>
+              </a:defRPr>
+            </a:lvl4pPr>
+            <a:lvl5pPr marL="1938338" indent="-341313" algn="l" defTabSz="914400" rtl="0" eaLnBrk="1" latinLnBrk="0" hangingPunct="1">
+              <a:spcBef>
+                <a:spcPts val="600"/>
+              </a:spcBef>
+              <a:buSzPct val="90000"/>
+              <a:buFontTx/>
+              <a:buBlip>
+                <a:blip r:embed="rId4"/>
+              </a:buBlip>
+              <a:defRPr sz="1800" kern="1200">
+                <a:solidFill>
+                  <a:schemeClr val="tx1"/>
+                </a:solidFill>
+                <a:latin typeface="+mn-lt"/>
+                <a:ea typeface="+mn-ea"/>
+                <a:cs typeface="+mn-cs"/>
+              </a:defRPr>
+            </a:lvl5pPr>
+            <a:lvl6pPr marL="2290763" indent="-344488" algn="l" defTabSz="914400" rtl="0" eaLnBrk="1" latinLnBrk="0" hangingPunct="1">
+              <a:spcBef>
+                <a:spcPct val="20000"/>
+              </a:spcBef>
+              <a:buSzPct val="90000"/>
+              <a:buFontTx/>
+              <a:buBlip>
+                <a:blip r:embed="rId2"/>
+              </a:buBlip>
+              <a:defRPr lang="en-US" sz="1800" kern="1200" dirty="0" smtClean="0">
+                <a:solidFill>
+                  <a:schemeClr val="tx1"/>
+                </a:solidFill>
+                <a:latin typeface="+mn-lt"/>
+                <a:ea typeface="+mn-ea"/>
+                <a:cs typeface="+mn-cs"/>
+              </a:defRPr>
+            </a:lvl6pPr>
+            <a:lvl7pPr marL="2625725" indent="-344488" algn="l" defTabSz="914400" rtl="0" eaLnBrk="1" latinLnBrk="0" hangingPunct="1">
+              <a:spcBef>
+                <a:spcPct val="20000"/>
+              </a:spcBef>
+              <a:buSzPct val="90000"/>
+              <a:buFontTx/>
+              <a:buBlip>
+                <a:blip r:embed="rId4"/>
+              </a:buBlip>
+              <a:defRPr lang="en-US" sz="1800" kern="1200" dirty="0" smtClean="0">
+                <a:solidFill>
+                  <a:schemeClr val="tx1"/>
+                </a:solidFill>
+                <a:latin typeface="+mn-lt"/>
+                <a:ea typeface="+mn-ea"/>
+                <a:cs typeface="+mn-cs"/>
+              </a:defRPr>
+            </a:lvl7pPr>
+            <a:lvl8pPr marL="2970213" indent="-344488" algn="l" defTabSz="914400" rtl="0" eaLnBrk="1" latinLnBrk="0" hangingPunct="1">
+              <a:spcBef>
+                <a:spcPct val="20000"/>
+              </a:spcBef>
+              <a:buSzPct val="90000"/>
+              <a:buFontTx/>
+              <a:buBlip>
+                <a:blip r:embed="rId2"/>
+              </a:buBlip>
+              <a:defRPr lang="en-US" sz="1800" kern="1200" dirty="0" smtClean="0">
+                <a:solidFill>
+                  <a:schemeClr val="tx1"/>
+                </a:solidFill>
+                <a:latin typeface="+mn-lt"/>
+                <a:ea typeface="+mn-ea"/>
+                <a:cs typeface="+mn-cs"/>
+              </a:defRPr>
+            </a:lvl8pPr>
+            <a:lvl9pPr marL="3313113" indent="-344488" algn="l" defTabSz="914400" rtl="0" eaLnBrk="1" latinLnBrk="0" hangingPunct="1">
+              <a:spcBef>
+                <a:spcPct val="20000"/>
+              </a:spcBef>
+              <a:buSzPct val="90000"/>
+              <a:buFontTx/>
+              <a:buBlip>
+                <a:blip r:embed="rId3"/>
+              </a:buBlip>
+              <a:defRPr lang="en-US" sz="1800" kern="1200" dirty="0">
+                <a:solidFill>
+                  <a:schemeClr val="tx1"/>
+                </a:solidFill>
+                <a:latin typeface="+mn-lt"/>
+                <a:ea typeface="+mn-ea"/>
+                <a:cs typeface="+mn-cs"/>
+              </a:defRPr>
+            </a:lvl9pPr>
+          </a:lstStyle>
+          <a:p>
+            <a:pPr algn="just"/>
+            <a:r>
+              <a:rPr lang="es-ES" sz="2000" b="1" dirty="0" smtClean="0"/>
+              <a:t>Análisis Exploratorio</a:t>
+            </a:r>
+            <a:r>
+              <a:rPr lang="es-ES" sz="2000" dirty="0" smtClean="0"/>
+              <a:t>: </a:t>
+            </a:r>
+            <a:r>
+              <a:rPr lang="es-ES" sz="2000" dirty="0"/>
+              <a:t>Se analiza la estructura de la información proporcionada y se observa que no es necesario aplicar metodologías para valores ausentes.</a:t>
+            </a:r>
+          </a:p>
+        </p:txBody>
+      </p:sp>
+      <p:pic>
+        <p:nvPicPr>
+          <p:cNvPr id="5" name="Imagen 4">
+            <a:extLst>
+              <a:ext uri="{FF2B5EF4-FFF2-40B4-BE49-F238E27FC236}">
+                <a16:creationId xmlns:a16="http://schemas.microsoft.com/office/drawing/2014/main" xmlns="" id="{E8D9C062-1BEA-4073-AA18-C81658C69AC2}"/>
+              </a:ext>
+            </a:extLst>
+          </p:cNvPr>
+          <p:cNvPicPr>
+            <a:picLocks noChangeAspect="1"/>
+          </p:cNvPicPr>
+          <p:nvPr/>
+        </p:nvPicPr>
+        <p:blipFill>
+          <a:blip r:embed="rId5"/>
+          <a:stretch>
+            <a:fillRect/>
+          </a:stretch>
+        </p:blipFill>
+        <p:spPr>
+          <a:xfrm>
+            <a:off x="5472332" y="2000811"/>
+            <a:ext cx="1574379" cy="855271"/>
+          </a:xfrm>
+          <a:prstGeom prst="rect">
+            <a:avLst/>
+          </a:prstGeom>
+        </p:spPr>
+      </p:pic>
+      <p:pic>
+        <p:nvPicPr>
+          <p:cNvPr id="6" name="Imagen 5">
+            <a:extLst>
+              <a:ext uri="{FF2B5EF4-FFF2-40B4-BE49-F238E27FC236}">
+                <a16:creationId xmlns:a16="http://schemas.microsoft.com/office/drawing/2014/main" xmlns="" id="{58D58C86-6AD3-4C65-B1F6-DB49B9D9C983}"/>
+              </a:ext>
+            </a:extLst>
+          </p:cNvPr>
+          <p:cNvPicPr>
+            <a:picLocks noChangeAspect="1"/>
+          </p:cNvPicPr>
+          <p:nvPr/>
+        </p:nvPicPr>
+        <p:blipFill>
+          <a:blip r:embed="rId6"/>
+          <a:stretch>
+            <a:fillRect/>
+          </a:stretch>
+        </p:blipFill>
+        <p:spPr>
+          <a:xfrm>
+            <a:off x="7046711" y="2000810"/>
+            <a:ext cx="1574380" cy="855271"/>
+          </a:xfrm>
+          <a:prstGeom prst="rect">
+            <a:avLst/>
+          </a:prstGeom>
+        </p:spPr>
+      </p:pic>
+      <p:pic>
+        <p:nvPicPr>
+          <p:cNvPr id="7" name="Imagen 6">
+            <a:extLst>
+              <a:ext uri="{FF2B5EF4-FFF2-40B4-BE49-F238E27FC236}">
+                <a16:creationId xmlns:a16="http://schemas.microsoft.com/office/drawing/2014/main" xmlns="" id="{1048426F-E7D4-4EF1-9171-7AC3F0C572B4}"/>
+              </a:ext>
+            </a:extLst>
+          </p:cNvPr>
+          <p:cNvPicPr>
+            <a:picLocks noChangeAspect="1"/>
+          </p:cNvPicPr>
+          <p:nvPr/>
+        </p:nvPicPr>
+        <p:blipFill>
+          <a:blip r:embed="rId7"/>
+          <a:stretch>
+            <a:fillRect/>
+          </a:stretch>
+        </p:blipFill>
+        <p:spPr>
+          <a:xfrm>
+            <a:off x="5472332" y="2809704"/>
+            <a:ext cx="1574379" cy="829741"/>
+          </a:xfrm>
+          <a:prstGeom prst="rect">
+            <a:avLst/>
+          </a:prstGeom>
+        </p:spPr>
+      </p:pic>
+      <p:pic>
+        <p:nvPicPr>
+          <p:cNvPr id="8" name="Imagen 7">
+            <a:extLst>
+              <a:ext uri="{FF2B5EF4-FFF2-40B4-BE49-F238E27FC236}">
+                <a16:creationId xmlns:a16="http://schemas.microsoft.com/office/drawing/2014/main" xmlns="" id="{846B49E9-2500-436F-9C62-C90C9D527A83}"/>
+              </a:ext>
+            </a:extLst>
+          </p:cNvPr>
+          <p:cNvPicPr>
+            <a:picLocks noChangeAspect="1"/>
+          </p:cNvPicPr>
+          <p:nvPr/>
+        </p:nvPicPr>
+        <p:blipFill>
+          <a:blip r:embed="rId8"/>
+          <a:stretch>
+            <a:fillRect/>
+          </a:stretch>
+        </p:blipFill>
+        <p:spPr>
+          <a:xfrm>
+            <a:off x="7046711" y="2856081"/>
+            <a:ext cx="1574379" cy="789559"/>
+          </a:xfrm>
+          <a:prstGeom prst="rect">
+            <a:avLst/>
+          </a:prstGeom>
+        </p:spPr>
+      </p:pic>
+      <p:sp>
+        <p:nvSpPr>
+          <p:cNvPr id="9" name="Marcador de contenido 2">
+            <a:extLst>
+              <a:ext uri="{FF2B5EF4-FFF2-40B4-BE49-F238E27FC236}">
+                <a16:creationId xmlns:a16="http://schemas.microsoft.com/office/drawing/2014/main" xmlns="" id="{99E84259-7F9D-4911-9F4B-2C0786975D78}"/>
+              </a:ext>
+            </a:extLst>
+          </p:cNvPr>
+          <p:cNvSpPr txBox="1">
+            <a:spLocks/>
+          </p:cNvSpPr>
+          <p:nvPr/>
+        </p:nvSpPr>
+        <p:spPr>
+          <a:xfrm>
+            <a:off x="2070993" y="3682501"/>
+            <a:ext cx="6679112" cy="1156785"/>
+          </a:xfrm>
+          <a:prstGeom prst="rect">
+            <a:avLst/>
+          </a:prstGeom>
+        </p:spPr>
+        <p:txBody>
+          <a:bodyPr vert="horz" lIns="91440" tIns="45720" rIns="91440" bIns="45720" rtlCol="0">
+            <a:normAutofit/>
+          </a:bodyPr>
+          <a:lstStyle>
+            <a:lvl1pPr marL="463550" indent="-463550" algn="l" defTabSz="914400" rtl="0" eaLnBrk="1" latinLnBrk="0" hangingPunct="1">
+              <a:spcBef>
+                <a:spcPts val="2000"/>
+              </a:spcBef>
+              <a:buSzPct val="90000"/>
+              <a:buFontTx/>
+              <a:buBlip>
+                <a:blip r:embed="rId2"/>
+              </a:buBlip>
+              <a:defRPr sz="2400" kern="1200">
+                <a:solidFill>
+                  <a:schemeClr val="tx1"/>
+                </a:solidFill>
+                <a:latin typeface="+mn-lt"/>
+                <a:ea typeface="+mn-ea"/>
+                <a:cs typeface="+mn-cs"/>
+              </a:defRPr>
+            </a:lvl1pPr>
+            <a:lvl2pPr marL="914400" indent="-457200" algn="l" defTabSz="914400" rtl="0" eaLnBrk="1" latinLnBrk="0" hangingPunct="1">
+              <a:spcBef>
+                <a:spcPts val="600"/>
+              </a:spcBef>
+              <a:buSzPct val="90000"/>
+              <a:buFontTx/>
+              <a:buBlip>
+                <a:blip r:embed="rId3"/>
+              </a:buBlip>
+              <a:defRPr sz="2200" kern="1200">
+                <a:solidFill>
+                  <a:schemeClr val="tx1"/>
+                </a:solidFill>
+                <a:latin typeface="+mn-lt"/>
+                <a:ea typeface="+mn-ea"/>
+                <a:cs typeface="+mn-cs"/>
+              </a:defRPr>
+            </a:lvl2pPr>
+            <a:lvl3pPr marL="1255713" indent="-341313" algn="l" defTabSz="914400" rtl="0" eaLnBrk="1" latinLnBrk="0" hangingPunct="1">
+              <a:spcBef>
+                <a:spcPts val="600"/>
+              </a:spcBef>
+              <a:buSzPct val="90000"/>
+              <a:buFontTx/>
+              <a:buBlip>
+                <a:blip r:embed="rId4"/>
+              </a:buBlip>
+              <a:defRPr sz="2000" kern="1200">
+                <a:solidFill>
+                  <a:schemeClr val="tx1"/>
+                </a:solidFill>
+                <a:latin typeface="+mn-lt"/>
+                <a:ea typeface="+mn-ea"/>
+                <a:cs typeface="+mn-cs"/>
+              </a:defRPr>
+            </a:lvl3pPr>
+            <a:lvl4pPr marL="1597025" indent="-341313" algn="l" defTabSz="914400" rtl="0" eaLnBrk="1" latinLnBrk="0" hangingPunct="1">
+              <a:spcBef>
+                <a:spcPts val="600"/>
+              </a:spcBef>
+              <a:buSzPct val="90000"/>
+              <a:buFontTx/>
+              <a:buBlip>
+                <a:blip r:embed="rId4"/>
+              </a:buBlip>
+              <a:defRPr sz="1800" kern="1200">
+                <a:solidFill>
+                  <a:schemeClr val="tx1"/>
+                </a:solidFill>
+                <a:latin typeface="+mn-lt"/>
+                <a:ea typeface="+mn-ea"/>
+                <a:cs typeface="+mn-cs"/>
+              </a:defRPr>
+            </a:lvl4pPr>
+            <a:lvl5pPr marL="1938338" indent="-341313" algn="l" defTabSz="914400" rtl="0" eaLnBrk="1" latinLnBrk="0" hangingPunct="1">
+              <a:spcBef>
+                <a:spcPts val="600"/>
+              </a:spcBef>
+              <a:buSzPct val="90000"/>
+              <a:buFontTx/>
+              <a:buBlip>
+                <a:blip r:embed="rId4"/>
+              </a:buBlip>
+              <a:defRPr sz="1800" kern="1200">
+                <a:solidFill>
+                  <a:schemeClr val="tx1"/>
+                </a:solidFill>
+                <a:latin typeface="+mn-lt"/>
+                <a:ea typeface="+mn-ea"/>
+                <a:cs typeface="+mn-cs"/>
+              </a:defRPr>
+            </a:lvl5pPr>
+            <a:lvl6pPr marL="2290763" indent="-344488" algn="l" defTabSz="914400" rtl="0" eaLnBrk="1" latinLnBrk="0" hangingPunct="1">
+              <a:spcBef>
+                <a:spcPct val="20000"/>
+              </a:spcBef>
+              <a:buSzPct val="90000"/>
+              <a:buFontTx/>
+              <a:buBlip>
+                <a:blip r:embed="rId2"/>
+              </a:buBlip>
+              <a:defRPr lang="en-US" sz="1800" kern="1200" dirty="0" smtClean="0">
+                <a:solidFill>
+                  <a:schemeClr val="tx1"/>
+                </a:solidFill>
+                <a:latin typeface="+mn-lt"/>
+                <a:ea typeface="+mn-ea"/>
+                <a:cs typeface="+mn-cs"/>
+              </a:defRPr>
+            </a:lvl6pPr>
+            <a:lvl7pPr marL="2625725" indent="-344488" algn="l" defTabSz="914400" rtl="0" eaLnBrk="1" latinLnBrk="0" hangingPunct="1">
+              <a:spcBef>
+                <a:spcPct val="20000"/>
+              </a:spcBef>
+              <a:buSzPct val="90000"/>
+              <a:buFontTx/>
+              <a:buBlip>
+                <a:blip r:embed="rId4"/>
+              </a:buBlip>
+              <a:defRPr lang="en-US" sz="1800" kern="1200" dirty="0" smtClean="0">
+                <a:solidFill>
+                  <a:schemeClr val="tx1"/>
+                </a:solidFill>
+                <a:latin typeface="+mn-lt"/>
+                <a:ea typeface="+mn-ea"/>
+                <a:cs typeface="+mn-cs"/>
+              </a:defRPr>
+            </a:lvl7pPr>
+            <a:lvl8pPr marL="2970213" indent="-344488" algn="l" defTabSz="914400" rtl="0" eaLnBrk="1" latinLnBrk="0" hangingPunct="1">
+              <a:spcBef>
+                <a:spcPct val="20000"/>
+              </a:spcBef>
+              <a:buSzPct val="90000"/>
+              <a:buFontTx/>
+              <a:buBlip>
+                <a:blip r:embed="rId2"/>
+              </a:buBlip>
+              <a:defRPr lang="en-US" sz="1800" kern="1200" dirty="0" smtClean="0">
+                <a:solidFill>
+                  <a:schemeClr val="tx1"/>
+                </a:solidFill>
+                <a:latin typeface="+mn-lt"/>
+                <a:ea typeface="+mn-ea"/>
+                <a:cs typeface="+mn-cs"/>
+              </a:defRPr>
+            </a:lvl8pPr>
+            <a:lvl9pPr marL="3313113" indent="-344488" algn="l" defTabSz="914400" rtl="0" eaLnBrk="1" latinLnBrk="0" hangingPunct="1">
+              <a:spcBef>
+                <a:spcPct val="20000"/>
+              </a:spcBef>
+              <a:buSzPct val="90000"/>
+              <a:buFontTx/>
+              <a:buBlip>
+                <a:blip r:embed="rId3"/>
+              </a:buBlip>
+              <a:defRPr lang="en-US" sz="1800" kern="1200" dirty="0">
+                <a:solidFill>
+                  <a:schemeClr val="tx1"/>
+                </a:solidFill>
+                <a:latin typeface="+mn-lt"/>
+                <a:ea typeface="+mn-ea"/>
+                <a:cs typeface="+mn-cs"/>
+              </a:defRPr>
+            </a:lvl9pPr>
+          </a:lstStyle>
+          <a:p>
+            <a:pPr algn="just"/>
+            <a:r>
+              <a:rPr lang="es-ES" sz="2000" b="1" dirty="0"/>
+              <a:t>Correlación de variables</a:t>
+            </a:r>
+            <a:r>
+              <a:rPr lang="es-ES" sz="2000" dirty="0"/>
+              <a:t>: Analizamos la información redundante y la posibilidad de disminuir la dimensionalidad, </a:t>
+            </a:r>
+            <a:r>
+              <a:rPr lang="es-ES" sz="2000" dirty="0" err="1"/>
+              <a:t>desidimos</a:t>
+            </a:r>
+            <a:r>
+              <a:rPr lang="es-ES" sz="2000" dirty="0"/>
+              <a:t> eliminar la </a:t>
+            </a:r>
+            <a:r>
+              <a:rPr lang="es-ES" sz="2000" dirty="0" err="1"/>
+              <a:t>avriable</a:t>
+            </a:r>
+            <a:r>
+              <a:rPr lang="es-ES" sz="2000" dirty="0"/>
+              <a:t> “</a:t>
+            </a:r>
+            <a:r>
+              <a:rPr lang="es-ES" sz="2000" dirty="0" err="1"/>
+              <a:t>atemp</a:t>
+            </a:r>
+            <a:r>
+              <a:rPr lang="es-ES" sz="2000" dirty="0"/>
+              <a:t>”</a:t>
+            </a:r>
+          </a:p>
+        </p:txBody>
+      </p:sp>
+      <p:pic>
+        <p:nvPicPr>
+          <p:cNvPr id="10" name="Imagen 9">
+            <a:extLst>
+              <a:ext uri="{FF2B5EF4-FFF2-40B4-BE49-F238E27FC236}">
+                <a16:creationId xmlns:a16="http://schemas.microsoft.com/office/drawing/2014/main" xmlns="" id="{65B76965-E32B-4896-9DBE-697F12D96CDC}"/>
+              </a:ext>
+            </a:extLst>
+          </p:cNvPr>
+          <p:cNvPicPr>
+            <a:picLocks noChangeAspect="1"/>
+          </p:cNvPicPr>
+          <p:nvPr/>
+        </p:nvPicPr>
+        <p:blipFill>
+          <a:blip r:embed="rId9"/>
+          <a:stretch>
+            <a:fillRect/>
+          </a:stretch>
+        </p:blipFill>
+        <p:spPr>
+          <a:xfrm>
+            <a:off x="529630" y="3639445"/>
+            <a:ext cx="1541363" cy="1199841"/>
+          </a:xfrm>
+          <a:prstGeom prst="rect">
+            <a:avLst/>
+          </a:prstGeom>
+        </p:spPr>
+      </p:pic>
+      <p:sp>
+        <p:nvSpPr>
+          <p:cNvPr id="11" name="Marcador de contenido 2">
+            <a:extLst>
+              <a:ext uri="{FF2B5EF4-FFF2-40B4-BE49-F238E27FC236}">
+                <a16:creationId xmlns:a16="http://schemas.microsoft.com/office/drawing/2014/main" xmlns="" id="{94131372-ED54-4A46-81C6-108A3471C05B}"/>
+              </a:ext>
+            </a:extLst>
+          </p:cNvPr>
+          <p:cNvSpPr txBox="1">
+            <a:spLocks/>
+          </p:cNvSpPr>
+          <p:nvPr/>
+        </p:nvSpPr>
+        <p:spPr>
+          <a:xfrm>
+            <a:off x="211015" y="5087313"/>
+            <a:ext cx="8410075" cy="933659"/>
+          </a:xfrm>
+          <a:prstGeom prst="rect">
+            <a:avLst/>
+          </a:prstGeom>
+        </p:spPr>
+        <p:txBody>
+          <a:bodyPr vert="horz" lIns="91440" tIns="45720" rIns="91440" bIns="45720" rtlCol="0">
+            <a:normAutofit lnSpcReduction="10000"/>
+          </a:bodyPr>
+          <a:lstStyle>
+            <a:lvl1pPr marL="463550" indent="-463550" algn="l" defTabSz="914400" rtl="0" eaLnBrk="1" latinLnBrk="0" hangingPunct="1">
+              <a:spcBef>
+                <a:spcPts val="2000"/>
+              </a:spcBef>
+              <a:buSzPct val="90000"/>
+              <a:buFontTx/>
+              <a:buBlip>
+                <a:blip r:embed="rId2"/>
+              </a:buBlip>
+              <a:defRPr sz="2400" kern="1200">
+                <a:solidFill>
+                  <a:schemeClr val="tx1"/>
+                </a:solidFill>
+                <a:latin typeface="+mn-lt"/>
+                <a:ea typeface="+mn-ea"/>
+                <a:cs typeface="+mn-cs"/>
+              </a:defRPr>
+            </a:lvl1pPr>
+            <a:lvl2pPr marL="914400" indent="-457200" algn="l" defTabSz="914400" rtl="0" eaLnBrk="1" latinLnBrk="0" hangingPunct="1">
+              <a:spcBef>
+                <a:spcPts val="600"/>
+              </a:spcBef>
+              <a:buSzPct val="90000"/>
+              <a:buFontTx/>
+              <a:buBlip>
+                <a:blip r:embed="rId3"/>
+              </a:buBlip>
+              <a:defRPr sz="2200" kern="1200">
+                <a:solidFill>
+                  <a:schemeClr val="tx1"/>
+                </a:solidFill>
+                <a:latin typeface="+mn-lt"/>
+                <a:ea typeface="+mn-ea"/>
+                <a:cs typeface="+mn-cs"/>
+              </a:defRPr>
+            </a:lvl2pPr>
+            <a:lvl3pPr marL="1255713" indent="-341313" algn="l" defTabSz="914400" rtl="0" eaLnBrk="1" latinLnBrk="0" hangingPunct="1">
+              <a:spcBef>
+                <a:spcPts val="600"/>
+              </a:spcBef>
+              <a:buSzPct val="90000"/>
+              <a:buFontTx/>
+              <a:buBlip>
+                <a:blip r:embed="rId4"/>
+              </a:buBlip>
+              <a:defRPr sz="2000" kern="1200">
+                <a:solidFill>
+                  <a:schemeClr val="tx1"/>
+                </a:solidFill>
+                <a:latin typeface="+mn-lt"/>
+                <a:ea typeface="+mn-ea"/>
+                <a:cs typeface="+mn-cs"/>
+              </a:defRPr>
+            </a:lvl3pPr>
+            <a:lvl4pPr marL="1597025" indent="-341313" algn="l" defTabSz="914400" rtl="0" eaLnBrk="1" latinLnBrk="0" hangingPunct="1">
+              <a:spcBef>
+                <a:spcPts val="600"/>
+              </a:spcBef>
+              <a:buSzPct val="90000"/>
+              <a:buFontTx/>
+              <a:buBlip>
+                <a:blip r:embed="rId4"/>
+              </a:buBlip>
+              <a:defRPr sz="1800" kern="1200">
+                <a:solidFill>
+                  <a:schemeClr val="tx1"/>
+                </a:solidFill>
+                <a:latin typeface="+mn-lt"/>
+                <a:ea typeface="+mn-ea"/>
+                <a:cs typeface="+mn-cs"/>
+              </a:defRPr>
+            </a:lvl4pPr>
+            <a:lvl5pPr marL="1938338" indent="-341313" algn="l" defTabSz="914400" rtl="0" eaLnBrk="1" latinLnBrk="0" hangingPunct="1">
+              <a:spcBef>
+                <a:spcPts val="600"/>
+              </a:spcBef>
+              <a:buSzPct val="90000"/>
+              <a:buFontTx/>
+              <a:buBlip>
+                <a:blip r:embed="rId4"/>
+              </a:buBlip>
+              <a:defRPr sz="1800" kern="1200">
+                <a:solidFill>
+                  <a:schemeClr val="tx1"/>
+                </a:solidFill>
+                <a:latin typeface="+mn-lt"/>
+                <a:ea typeface="+mn-ea"/>
+                <a:cs typeface="+mn-cs"/>
+              </a:defRPr>
+            </a:lvl5pPr>
+            <a:lvl6pPr marL="2290763" indent="-344488" algn="l" defTabSz="914400" rtl="0" eaLnBrk="1" latinLnBrk="0" hangingPunct="1">
+              <a:spcBef>
+                <a:spcPct val="20000"/>
+              </a:spcBef>
+              <a:buSzPct val="90000"/>
+              <a:buFontTx/>
+              <a:buBlip>
+                <a:blip r:embed="rId2"/>
+              </a:buBlip>
+              <a:defRPr lang="en-US" sz="1800" kern="1200" dirty="0" smtClean="0">
+                <a:solidFill>
+                  <a:schemeClr val="tx1"/>
+                </a:solidFill>
+                <a:latin typeface="+mn-lt"/>
+                <a:ea typeface="+mn-ea"/>
+                <a:cs typeface="+mn-cs"/>
+              </a:defRPr>
+            </a:lvl6pPr>
+            <a:lvl7pPr marL="2625725" indent="-344488" algn="l" defTabSz="914400" rtl="0" eaLnBrk="1" latinLnBrk="0" hangingPunct="1">
+              <a:spcBef>
+                <a:spcPct val="20000"/>
+              </a:spcBef>
+              <a:buSzPct val="90000"/>
+              <a:buFontTx/>
+              <a:buBlip>
+                <a:blip r:embed="rId4"/>
+              </a:buBlip>
+              <a:defRPr lang="en-US" sz="1800" kern="1200" dirty="0" smtClean="0">
+                <a:solidFill>
+                  <a:schemeClr val="tx1"/>
+                </a:solidFill>
+                <a:latin typeface="+mn-lt"/>
+                <a:ea typeface="+mn-ea"/>
+                <a:cs typeface="+mn-cs"/>
+              </a:defRPr>
+            </a:lvl7pPr>
+            <a:lvl8pPr marL="2970213" indent="-344488" algn="l" defTabSz="914400" rtl="0" eaLnBrk="1" latinLnBrk="0" hangingPunct="1">
+              <a:spcBef>
+                <a:spcPct val="20000"/>
+              </a:spcBef>
+              <a:buSzPct val="90000"/>
+              <a:buFontTx/>
+              <a:buBlip>
+                <a:blip r:embed="rId2"/>
+              </a:buBlip>
+              <a:defRPr lang="en-US" sz="1800" kern="1200" dirty="0" smtClean="0">
+                <a:solidFill>
+                  <a:schemeClr val="tx1"/>
+                </a:solidFill>
+                <a:latin typeface="+mn-lt"/>
+                <a:ea typeface="+mn-ea"/>
+                <a:cs typeface="+mn-cs"/>
+              </a:defRPr>
+            </a:lvl8pPr>
+            <a:lvl9pPr marL="3313113" indent="-344488" algn="l" defTabSz="914400" rtl="0" eaLnBrk="1" latinLnBrk="0" hangingPunct="1">
+              <a:spcBef>
+                <a:spcPct val="20000"/>
+              </a:spcBef>
+              <a:buSzPct val="90000"/>
+              <a:buFontTx/>
+              <a:buBlip>
+                <a:blip r:embed="rId3"/>
+              </a:buBlip>
+              <a:defRPr lang="en-US" sz="1800" kern="1200" dirty="0">
+                <a:solidFill>
+                  <a:schemeClr val="tx1"/>
+                </a:solidFill>
+                <a:latin typeface="+mn-lt"/>
+                <a:ea typeface="+mn-ea"/>
+                <a:cs typeface="+mn-cs"/>
+              </a:defRPr>
+            </a:lvl9pPr>
+          </a:lstStyle>
+          <a:p>
+            <a:pPr algn="just"/>
+            <a:r>
+              <a:rPr lang="es-ES" sz="2000" b="1" dirty="0"/>
+              <a:t>Transformación de variables</a:t>
+            </a:r>
+            <a:r>
+              <a:rPr lang="es-ES" sz="2000" dirty="0"/>
+              <a:t>: realizamos cálculos a la base de datos proporcionada con el fin de mejorar el desempeño del modelo. Conversión de categóricas a </a:t>
+            </a:r>
+            <a:r>
+              <a:rPr lang="es-ES" sz="2000" dirty="0" err="1"/>
+              <a:t>Dummies</a:t>
+            </a:r>
+            <a:r>
+              <a:rPr lang="es-ES" sz="2000" dirty="0"/>
+              <a:t>, </a:t>
+            </a:r>
+            <a:r>
+              <a:rPr lang="es-ES" sz="2000" dirty="0" err="1"/>
+              <a:t>transfomración</a:t>
+            </a:r>
+            <a:r>
+              <a:rPr lang="es-ES" sz="2000" dirty="0"/>
+              <a:t> de </a:t>
+            </a:r>
+            <a:r>
+              <a:rPr lang="es-ES" sz="2000" dirty="0" err="1"/>
+              <a:t>varibales</a:t>
+            </a:r>
+            <a:r>
+              <a:rPr lang="es-ES" sz="2000" dirty="0"/>
+              <a:t> de fecha y otros.</a:t>
+            </a:r>
+          </a:p>
+        </p:txBody>
+      </p:sp>
+      <p:sp>
+        <p:nvSpPr>
+          <p:cNvPr id="12" name="Rectángulo 11"/>
+          <p:cNvSpPr/>
+          <p:nvPr/>
+        </p:nvSpPr>
+        <p:spPr>
+          <a:xfrm>
+            <a:off x="22559" y="6536784"/>
+            <a:ext cx="9190975" cy="276999"/>
+          </a:xfrm>
+          <a:prstGeom prst="rect">
+            <a:avLst/>
+          </a:prstGeom>
+        </p:spPr>
+        <p:txBody>
+          <a:bodyPr wrap="square">
+            <a:spAutoFit/>
+          </a:bodyPr>
+          <a:lstStyle/>
+          <a:p>
+            <a:r>
+              <a:rPr lang="en-US" sz="1200" dirty="0">
+                <a:hlinkClick r:id="rId10"/>
+              </a:rPr>
+              <a:t>https://github.com/camiloyatet/Curso-DeepLearning/blob/master/Proyecto1/DL%20-%20Proyecto1%20-%</a:t>
+            </a:r>
+            <a:r>
+              <a:rPr lang="en-US" sz="1200" dirty="0" smtClean="0">
+                <a:hlinkClick r:id="rId10"/>
+              </a:rPr>
+              <a:t>20Bike%20Sharing%20Demand.ipynb</a:t>
+            </a:r>
+            <a:endParaRPr lang="en-US" sz="1200" dirty="0"/>
           </a:p>
         </p:txBody>
       </p:sp>
     </p:spTree>
     <p:extLst>
       <p:ext uri="{BB962C8B-B14F-4D97-AF65-F5344CB8AC3E}">
-        <p14:creationId xmlns:p14="http://schemas.microsoft.com/office/powerpoint/2010/main" val="160825802"/>
+        <p14:creationId xmlns:p14="http://schemas.microsoft.com/office/powerpoint/2010/main" val="1925230821"/>
       </p:ext>
     </p:extLst>
   </p:cSld>
@@ -7744,7 +8698,6 @@
               <a:rPr lang="es-ES" dirty="0"/>
               <a:t>Metodologías de abordaje </a:t>
             </a:r>
-            <a:endParaRPr lang="es-ES" dirty="0"/>
           </a:p>
         </p:txBody>
       </p:sp>
@@ -7758,31 +8711,840 @@
             <p:ph idx="1"/>
           </p:nvPr>
         </p:nvSpPr>
-        <p:spPr/>
-        <p:txBody>
-          <a:bodyPr/>
+        <p:spPr>
+          <a:xfrm>
+            <a:off x="1899138" y="2598007"/>
+            <a:ext cx="6731171" cy="1158068"/>
+          </a:xfrm>
+        </p:spPr>
+        <p:txBody>
+          <a:bodyPr>
+            <a:normAutofit fontScale="92500" lnSpcReduction="10000"/>
+          </a:bodyPr>
           <a:lstStyle/>
           <a:p>
-            <a:r>
-              <a:rPr lang="es-ES" dirty="0" err="1" smtClean="0"/>
+            <a:pPr algn="just"/>
+            <a:r>
+              <a:rPr lang="es-ES" sz="2000" b="1" dirty="0" err="1"/>
+              <a:t>Random</a:t>
+            </a:r>
+            <a:r>
+              <a:rPr lang="es-ES" sz="2000" b="1" dirty="0"/>
+              <a:t> Forest</a:t>
+            </a:r>
+            <a:r>
+              <a:rPr lang="es-ES" sz="2000" dirty="0"/>
+              <a:t>: Utilizando Cross </a:t>
+            </a:r>
+            <a:r>
+              <a:rPr lang="es-ES" sz="2000" dirty="0" err="1"/>
+              <a:t>Validation</a:t>
+            </a:r>
+            <a:r>
+              <a:rPr lang="es-ES" sz="2000" dirty="0"/>
+              <a:t> (10 </a:t>
+            </a:r>
+            <a:r>
+              <a:rPr lang="es-ES" sz="2000" dirty="0" err="1"/>
+              <a:t>fold</a:t>
+            </a:r>
+            <a:r>
+              <a:rPr lang="es-ES" sz="2000" dirty="0"/>
+              <a:t>)  , MSE como medida de desempeño y 1000 árboles estimadores, obtenemos resultados promedio considerablemente mejores a la regresión lineal (5.502)</a:t>
+            </a:r>
+          </a:p>
+        </p:txBody>
+      </p:sp>
+      <p:sp>
+        <p:nvSpPr>
+          <p:cNvPr id="5" name="Marcador de contenido 2">
+            <a:extLst>
+              <a:ext uri="{FF2B5EF4-FFF2-40B4-BE49-F238E27FC236}">
+                <a16:creationId xmlns:a16="http://schemas.microsoft.com/office/drawing/2014/main" xmlns="" id="{C9B263D6-B0FB-4E75-BA7F-828F88126D3F}"/>
+              </a:ext>
+            </a:extLst>
+          </p:cNvPr>
+          <p:cNvSpPr txBox="1">
+            <a:spLocks/>
+          </p:cNvSpPr>
+          <p:nvPr/>
+        </p:nvSpPr>
+        <p:spPr>
+          <a:xfrm>
+            <a:off x="356088" y="1528812"/>
+            <a:ext cx="6759746" cy="1059643"/>
+          </a:xfrm>
+          <a:prstGeom prst="rect">
+            <a:avLst/>
+          </a:prstGeom>
+        </p:spPr>
+        <p:txBody>
+          <a:bodyPr vert="horz" lIns="91440" tIns="45720" rIns="91440" bIns="45720" rtlCol="0">
+            <a:normAutofit/>
+          </a:bodyPr>
+          <a:lstStyle>
+            <a:lvl1pPr marL="463550" indent="-463550" algn="l" defTabSz="914400" rtl="0" eaLnBrk="1" latinLnBrk="0" hangingPunct="1">
+              <a:spcBef>
+                <a:spcPts val="2000"/>
+              </a:spcBef>
+              <a:buSzPct val="90000"/>
+              <a:buFontTx/>
+              <a:buBlip>
+                <a:blip r:embed="rId2"/>
+              </a:buBlip>
+              <a:defRPr sz="2400" kern="1200">
+                <a:solidFill>
+                  <a:schemeClr val="tx1"/>
+                </a:solidFill>
+                <a:latin typeface="+mn-lt"/>
+                <a:ea typeface="+mn-ea"/>
+                <a:cs typeface="+mn-cs"/>
+              </a:defRPr>
+            </a:lvl1pPr>
+            <a:lvl2pPr marL="914400" indent="-457200" algn="l" defTabSz="914400" rtl="0" eaLnBrk="1" latinLnBrk="0" hangingPunct="1">
+              <a:spcBef>
+                <a:spcPts val="600"/>
+              </a:spcBef>
+              <a:buSzPct val="90000"/>
+              <a:buFontTx/>
+              <a:buBlip>
+                <a:blip r:embed="rId3"/>
+              </a:buBlip>
+              <a:defRPr sz="2200" kern="1200">
+                <a:solidFill>
+                  <a:schemeClr val="tx1"/>
+                </a:solidFill>
+                <a:latin typeface="+mn-lt"/>
+                <a:ea typeface="+mn-ea"/>
+                <a:cs typeface="+mn-cs"/>
+              </a:defRPr>
+            </a:lvl2pPr>
+            <a:lvl3pPr marL="1255713" indent="-341313" algn="l" defTabSz="914400" rtl="0" eaLnBrk="1" latinLnBrk="0" hangingPunct="1">
+              <a:spcBef>
+                <a:spcPts val="600"/>
+              </a:spcBef>
+              <a:buSzPct val="90000"/>
+              <a:buFontTx/>
+              <a:buBlip>
+                <a:blip r:embed="rId4"/>
+              </a:buBlip>
+              <a:defRPr sz="2000" kern="1200">
+                <a:solidFill>
+                  <a:schemeClr val="tx1"/>
+                </a:solidFill>
+                <a:latin typeface="+mn-lt"/>
+                <a:ea typeface="+mn-ea"/>
+                <a:cs typeface="+mn-cs"/>
+              </a:defRPr>
+            </a:lvl3pPr>
+            <a:lvl4pPr marL="1597025" indent="-341313" algn="l" defTabSz="914400" rtl="0" eaLnBrk="1" latinLnBrk="0" hangingPunct="1">
+              <a:spcBef>
+                <a:spcPts val="600"/>
+              </a:spcBef>
+              <a:buSzPct val="90000"/>
+              <a:buFontTx/>
+              <a:buBlip>
+                <a:blip r:embed="rId4"/>
+              </a:buBlip>
+              <a:defRPr sz="1800" kern="1200">
+                <a:solidFill>
+                  <a:schemeClr val="tx1"/>
+                </a:solidFill>
+                <a:latin typeface="+mn-lt"/>
+                <a:ea typeface="+mn-ea"/>
+                <a:cs typeface="+mn-cs"/>
+              </a:defRPr>
+            </a:lvl4pPr>
+            <a:lvl5pPr marL="1938338" indent="-341313" algn="l" defTabSz="914400" rtl="0" eaLnBrk="1" latinLnBrk="0" hangingPunct="1">
+              <a:spcBef>
+                <a:spcPts val="600"/>
+              </a:spcBef>
+              <a:buSzPct val="90000"/>
+              <a:buFontTx/>
+              <a:buBlip>
+                <a:blip r:embed="rId4"/>
+              </a:buBlip>
+              <a:defRPr sz="1800" kern="1200">
+                <a:solidFill>
+                  <a:schemeClr val="tx1"/>
+                </a:solidFill>
+                <a:latin typeface="+mn-lt"/>
+                <a:ea typeface="+mn-ea"/>
+                <a:cs typeface="+mn-cs"/>
+              </a:defRPr>
+            </a:lvl5pPr>
+            <a:lvl6pPr marL="2290763" indent="-344488" algn="l" defTabSz="914400" rtl="0" eaLnBrk="1" latinLnBrk="0" hangingPunct="1">
+              <a:spcBef>
+                <a:spcPct val="20000"/>
+              </a:spcBef>
+              <a:buSzPct val="90000"/>
+              <a:buFontTx/>
+              <a:buBlip>
+                <a:blip r:embed="rId2"/>
+              </a:buBlip>
+              <a:defRPr lang="en-US" sz="1800" kern="1200" dirty="0" smtClean="0">
+                <a:solidFill>
+                  <a:schemeClr val="tx1"/>
+                </a:solidFill>
+                <a:latin typeface="+mn-lt"/>
+                <a:ea typeface="+mn-ea"/>
+                <a:cs typeface="+mn-cs"/>
+              </a:defRPr>
+            </a:lvl6pPr>
+            <a:lvl7pPr marL="2625725" indent="-344488" algn="l" defTabSz="914400" rtl="0" eaLnBrk="1" latinLnBrk="0" hangingPunct="1">
+              <a:spcBef>
+                <a:spcPct val="20000"/>
+              </a:spcBef>
+              <a:buSzPct val="90000"/>
+              <a:buFontTx/>
+              <a:buBlip>
+                <a:blip r:embed="rId4"/>
+              </a:buBlip>
+              <a:defRPr lang="en-US" sz="1800" kern="1200" dirty="0" smtClean="0">
+                <a:solidFill>
+                  <a:schemeClr val="tx1"/>
+                </a:solidFill>
+                <a:latin typeface="+mn-lt"/>
+                <a:ea typeface="+mn-ea"/>
+                <a:cs typeface="+mn-cs"/>
+              </a:defRPr>
+            </a:lvl7pPr>
+            <a:lvl8pPr marL="2970213" indent="-344488" algn="l" defTabSz="914400" rtl="0" eaLnBrk="1" latinLnBrk="0" hangingPunct="1">
+              <a:spcBef>
+                <a:spcPct val="20000"/>
+              </a:spcBef>
+              <a:buSzPct val="90000"/>
+              <a:buFontTx/>
+              <a:buBlip>
+                <a:blip r:embed="rId2"/>
+              </a:buBlip>
+              <a:defRPr lang="en-US" sz="1800" kern="1200" dirty="0" smtClean="0">
+                <a:solidFill>
+                  <a:schemeClr val="tx1"/>
+                </a:solidFill>
+                <a:latin typeface="+mn-lt"/>
+                <a:ea typeface="+mn-ea"/>
+                <a:cs typeface="+mn-cs"/>
+              </a:defRPr>
+            </a:lvl8pPr>
+            <a:lvl9pPr marL="3313113" indent="-344488" algn="l" defTabSz="914400" rtl="0" eaLnBrk="1" latinLnBrk="0" hangingPunct="1">
+              <a:spcBef>
+                <a:spcPct val="20000"/>
+              </a:spcBef>
+              <a:buSzPct val="90000"/>
+              <a:buFontTx/>
+              <a:buBlip>
+                <a:blip r:embed="rId3"/>
+              </a:buBlip>
+              <a:defRPr lang="en-US" sz="1800" kern="1200" dirty="0">
+                <a:solidFill>
+                  <a:schemeClr val="tx1"/>
+                </a:solidFill>
+                <a:latin typeface="+mn-lt"/>
+                <a:ea typeface="+mn-ea"/>
+                <a:cs typeface="+mn-cs"/>
+              </a:defRPr>
+            </a:lvl9pPr>
+          </a:lstStyle>
+          <a:p>
+            <a:pPr algn="just"/>
+            <a:r>
+              <a:rPr lang="es-ES" sz="2000" b="1" dirty="0" err="1"/>
+              <a:t>Regresiín</a:t>
+            </a:r>
+            <a:r>
+              <a:rPr lang="es-ES" sz="2000" b="1" dirty="0"/>
+              <a:t> Lineal</a:t>
+            </a:r>
+            <a:r>
+              <a:rPr lang="es-ES" sz="2000" dirty="0"/>
+              <a:t>: Utilizando Cross </a:t>
+            </a:r>
+            <a:r>
+              <a:rPr lang="es-ES" sz="2000" dirty="0" err="1"/>
+              <a:t>Validation</a:t>
+            </a:r>
+            <a:r>
+              <a:rPr lang="es-ES" sz="2000" dirty="0"/>
+              <a:t> (10 </a:t>
+            </a:r>
+            <a:r>
+              <a:rPr lang="es-ES" sz="2000" dirty="0" err="1"/>
+              <a:t>fold</a:t>
+            </a:r>
+            <a:r>
+              <a:rPr lang="es-ES" sz="2000" dirty="0"/>
+              <a:t>)  y MSE como medida de desempeño, obtenemos un indicador de error bastante alto al aplicarlo en la base de test</a:t>
+            </a:r>
+          </a:p>
+        </p:txBody>
+      </p:sp>
+      <p:pic>
+        <p:nvPicPr>
+          <p:cNvPr id="6" name="Imagen 5">
+            <a:extLst>
+              <a:ext uri="{FF2B5EF4-FFF2-40B4-BE49-F238E27FC236}">
+                <a16:creationId xmlns:a16="http://schemas.microsoft.com/office/drawing/2014/main" xmlns="" id="{472F6DA4-23BA-411A-9E43-BC20D4E17234}"/>
+              </a:ext>
+            </a:extLst>
+          </p:cNvPr>
+          <p:cNvPicPr>
+            <a:picLocks noChangeAspect="1"/>
+          </p:cNvPicPr>
+          <p:nvPr/>
+        </p:nvPicPr>
+        <p:blipFill>
+          <a:blip r:embed="rId5"/>
+          <a:stretch>
+            <a:fillRect/>
+          </a:stretch>
+        </p:blipFill>
+        <p:spPr>
+          <a:xfrm>
+            <a:off x="7115835" y="1528812"/>
+            <a:ext cx="1212110" cy="1059643"/>
+          </a:xfrm>
+          <a:prstGeom prst="rect">
+            <a:avLst/>
+          </a:prstGeom>
+        </p:spPr>
+      </p:pic>
+      <p:pic>
+        <p:nvPicPr>
+          <p:cNvPr id="7" name="Imagen 6">
+            <a:extLst>
+              <a:ext uri="{FF2B5EF4-FFF2-40B4-BE49-F238E27FC236}">
+                <a16:creationId xmlns:a16="http://schemas.microsoft.com/office/drawing/2014/main" xmlns="" id="{C01BBD3A-EE2C-4BC5-9D34-33A9670240D4}"/>
+              </a:ext>
+            </a:extLst>
+          </p:cNvPr>
+          <p:cNvPicPr>
+            <a:picLocks noChangeAspect="1"/>
+          </p:cNvPicPr>
+          <p:nvPr/>
+        </p:nvPicPr>
+        <p:blipFill>
+          <a:blip r:embed="rId6"/>
+          <a:stretch>
+            <a:fillRect/>
+          </a:stretch>
+        </p:blipFill>
+        <p:spPr>
+          <a:xfrm>
+            <a:off x="356088" y="2588456"/>
+            <a:ext cx="1380689" cy="1167620"/>
+          </a:xfrm>
+          <a:prstGeom prst="rect">
+            <a:avLst/>
+          </a:prstGeom>
+        </p:spPr>
+      </p:pic>
+      <p:sp>
+        <p:nvSpPr>
+          <p:cNvPr id="8" name="Marcador de contenido 2">
+            <a:extLst>
+              <a:ext uri="{FF2B5EF4-FFF2-40B4-BE49-F238E27FC236}">
+                <a16:creationId xmlns:a16="http://schemas.microsoft.com/office/drawing/2014/main" xmlns="" id="{931BDB4C-4104-4417-856E-3737DD671738}"/>
+              </a:ext>
+            </a:extLst>
+          </p:cNvPr>
+          <p:cNvSpPr txBox="1">
+            <a:spLocks/>
+          </p:cNvSpPr>
+          <p:nvPr/>
+        </p:nvSpPr>
+        <p:spPr>
+          <a:xfrm>
+            <a:off x="356088" y="3918685"/>
+            <a:ext cx="6731171" cy="1201956"/>
+          </a:xfrm>
+          <a:prstGeom prst="rect">
+            <a:avLst/>
+          </a:prstGeom>
+        </p:spPr>
+        <p:txBody>
+          <a:bodyPr vert="horz" lIns="91440" tIns="45720" rIns="91440" bIns="45720" rtlCol="0">
+            <a:normAutofit lnSpcReduction="10000"/>
+          </a:bodyPr>
+          <a:lstStyle>
+            <a:lvl1pPr marL="463550" indent="-463550" algn="l" defTabSz="914400" rtl="0" eaLnBrk="1" latinLnBrk="0" hangingPunct="1">
+              <a:spcBef>
+                <a:spcPts val="2000"/>
+              </a:spcBef>
+              <a:buSzPct val="90000"/>
+              <a:buFontTx/>
+              <a:buBlip>
+                <a:blip r:embed="rId2"/>
+              </a:buBlip>
+              <a:defRPr sz="2400" kern="1200">
+                <a:solidFill>
+                  <a:schemeClr val="tx1"/>
+                </a:solidFill>
+                <a:latin typeface="+mn-lt"/>
+                <a:ea typeface="+mn-ea"/>
+                <a:cs typeface="+mn-cs"/>
+              </a:defRPr>
+            </a:lvl1pPr>
+            <a:lvl2pPr marL="914400" indent="-457200" algn="l" defTabSz="914400" rtl="0" eaLnBrk="1" latinLnBrk="0" hangingPunct="1">
+              <a:spcBef>
+                <a:spcPts val="600"/>
+              </a:spcBef>
+              <a:buSzPct val="90000"/>
+              <a:buFontTx/>
+              <a:buBlip>
+                <a:blip r:embed="rId3"/>
+              </a:buBlip>
+              <a:defRPr sz="2200" kern="1200">
+                <a:solidFill>
+                  <a:schemeClr val="tx1"/>
+                </a:solidFill>
+                <a:latin typeface="+mn-lt"/>
+                <a:ea typeface="+mn-ea"/>
+                <a:cs typeface="+mn-cs"/>
+              </a:defRPr>
+            </a:lvl2pPr>
+            <a:lvl3pPr marL="1255713" indent="-341313" algn="l" defTabSz="914400" rtl="0" eaLnBrk="1" latinLnBrk="0" hangingPunct="1">
+              <a:spcBef>
+                <a:spcPts val="600"/>
+              </a:spcBef>
+              <a:buSzPct val="90000"/>
+              <a:buFontTx/>
+              <a:buBlip>
+                <a:blip r:embed="rId4"/>
+              </a:buBlip>
+              <a:defRPr sz="2000" kern="1200">
+                <a:solidFill>
+                  <a:schemeClr val="tx1"/>
+                </a:solidFill>
+                <a:latin typeface="+mn-lt"/>
+                <a:ea typeface="+mn-ea"/>
+                <a:cs typeface="+mn-cs"/>
+              </a:defRPr>
+            </a:lvl3pPr>
+            <a:lvl4pPr marL="1597025" indent="-341313" algn="l" defTabSz="914400" rtl="0" eaLnBrk="1" latinLnBrk="0" hangingPunct="1">
+              <a:spcBef>
+                <a:spcPts val="600"/>
+              </a:spcBef>
+              <a:buSzPct val="90000"/>
+              <a:buFontTx/>
+              <a:buBlip>
+                <a:blip r:embed="rId4"/>
+              </a:buBlip>
+              <a:defRPr sz="1800" kern="1200">
+                <a:solidFill>
+                  <a:schemeClr val="tx1"/>
+                </a:solidFill>
+                <a:latin typeface="+mn-lt"/>
+                <a:ea typeface="+mn-ea"/>
+                <a:cs typeface="+mn-cs"/>
+              </a:defRPr>
+            </a:lvl4pPr>
+            <a:lvl5pPr marL="1938338" indent="-341313" algn="l" defTabSz="914400" rtl="0" eaLnBrk="1" latinLnBrk="0" hangingPunct="1">
+              <a:spcBef>
+                <a:spcPts val="600"/>
+              </a:spcBef>
+              <a:buSzPct val="90000"/>
+              <a:buFontTx/>
+              <a:buBlip>
+                <a:blip r:embed="rId4"/>
+              </a:buBlip>
+              <a:defRPr sz="1800" kern="1200">
+                <a:solidFill>
+                  <a:schemeClr val="tx1"/>
+                </a:solidFill>
+                <a:latin typeface="+mn-lt"/>
+                <a:ea typeface="+mn-ea"/>
+                <a:cs typeface="+mn-cs"/>
+              </a:defRPr>
+            </a:lvl5pPr>
+            <a:lvl6pPr marL="2290763" indent="-344488" algn="l" defTabSz="914400" rtl="0" eaLnBrk="1" latinLnBrk="0" hangingPunct="1">
+              <a:spcBef>
+                <a:spcPct val="20000"/>
+              </a:spcBef>
+              <a:buSzPct val="90000"/>
+              <a:buFontTx/>
+              <a:buBlip>
+                <a:blip r:embed="rId2"/>
+              </a:buBlip>
+              <a:defRPr lang="en-US" sz="1800" kern="1200" dirty="0" smtClean="0">
+                <a:solidFill>
+                  <a:schemeClr val="tx1"/>
+                </a:solidFill>
+                <a:latin typeface="+mn-lt"/>
+                <a:ea typeface="+mn-ea"/>
+                <a:cs typeface="+mn-cs"/>
+              </a:defRPr>
+            </a:lvl6pPr>
+            <a:lvl7pPr marL="2625725" indent="-344488" algn="l" defTabSz="914400" rtl="0" eaLnBrk="1" latinLnBrk="0" hangingPunct="1">
+              <a:spcBef>
+                <a:spcPct val="20000"/>
+              </a:spcBef>
+              <a:buSzPct val="90000"/>
+              <a:buFontTx/>
+              <a:buBlip>
+                <a:blip r:embed="rId4"/>
+              </a:buBlip>
+              <a:defRPr lang="en-US" sz="1800" kern="1200" dirty="0" smtClean="0">
+                <a:solidFill>
+                  <a:schemeClr val="tx1"/>
+                </a:solidFill>
+                <a:latin typeface="+mn-lt"/>
+                <a:ea typeface="+mn-ea"/>
+                <a:cs typeface="+mn-cs"/>
+              </a:defRPr>
+            </a:lvl7pPr>
+            <a:lvl8pPr marL="2970213" indent="-344488" algn="l" defTabSz="914400" rtl="0" eaLnBrk="1" latinLnBrk="0" hangingPunct="1">
+              <a:spcBef>
+                <a:spcPct val="20000"/>
+              </a:spcBef>
+              <a:buSzPct val="90000"/>
+              <a:buFontTx/>
+              <a:buBlip>
+                <a:blip r:embed="rId2"/>
+              </a:buBlip>
+              <a:defRPr lang="en-US" sz="1800" kern="1200" dirty="0" smtClean="0">
+                <a:solidFill>
+                  <a:schemeClr val="tx1"/>
+                </a:solidFill>
+                <a:latin typeface="+mn-lt"/>
+                <a:ea typeface="+mn-ea"/>
+                <a:cs typeface="+mn-cs"/>
+              </a:defRPr>
+            </a:lvl8pPr>
+            <a:lvl9pPr marL="3313113" indent="-344488" algn="l" defTabSz="914400" rtl="0" eaLnBrk="1" latinLnBrk="0" hangingPunct="1">
+              <a:spcBef>
+                <a:spcPct val="20000"/>
+              </a:spcBef>
+              <a:buSzPct val="90000"/>
+              <a:buFontTx/>
+              <a:buBlip>
+                <a:blip r:embed="rId3"/>
+              </a:buBlip>
+              <a:defRPr lang="en-US" sz="1800" kern="1200" dirty="0">
+                <a:solidFill>
+                  <a:schemeClr val="tx1"/>
+                </a:solidFill>
+                <a:latin typeface="+mn-lt"/>
+                <a:ea typeface="+mn-ea"/>
+                <a:cs typeface="+mn-cs"/>
+              </a:defRPr>
+            </a:lvl9pPr>
+          </a:lstStyle>
+          <a:p>
+            <a:pPr algn="just"/>
+            <a:r>
+              <a:rPr lang="es-ES" sz="2000" b="1" dirty="0" err="1"/>
               <a:t>Gradient</a:t>
             </a:r>
             <a:r>
-              <a:rPr lang="es-ES" dirty="0" smtClean="0"/>
+              <a:rPr lang="es-ES" sz="2000" b="1" dirty="0"/>
               <a:t> </a:t>
             </a:r>
             <a:r>
-              <a:rPr lang="es-ES" dirty="0" err="1" smtClean="0"/>
+              <a:rPr lang="es-ES" sz="2000" b="1" dirty="0" err="1"/>
               <a:t>Boost</a:t>
             </a:r>
-            <a:endParaRPr lang="es-ES" dirty="0"/>
+            <a:r>
+              <a:rPr lang="es-ES" sz="2000" dirty="0"/>
+              <a:t>: Utilizando Cross </a:t>
+            </a:r>
+            <a:r>
+              <a:rPr lang="es-ES" sz="2000" dirty="0" err="1"/>
+              <a:t>Validation</a:t>
+            </a:r>
+            <a:r>
+              <a:rPr lang="es-ES" sz="2000" dirty="0"/>
+              <a:t> (10 </a:t>
+            </a:r>
+            <a:r>
+              <a:rPr lang="es-ES" sz="2000" dirty="0" err="1"/>
+              <a:t>fold</a:t>
+            </a:r>
+            <a:r>
+              <a:rPr lang="es-ES" sz="2000" dirty="0"/>
+              <a:t>)  , MSE como medida de desempeño, 1000 árboles estimadores y </a:t>
+            </a:r>
+            <a:r>
+              <a:rPr lang="es-ES" sz="2000" dirty="0" err="1"/>
+              <a:t>aplha</a:t>
+            </a:r>
+            <a:r>
+              <a:rPr lang="es-ES" sz="2000" dirty="0"/>
+              <a:t> = 0.01, obtenemos resultados promedio mejores que </a:t>
+            </a:r>
+            <a:r>
+              <a:rPr lang="es-ES" sz="2000" dirty="0" err="1"/>
+              <a:t>Random</a:t>
+            </a:r>
+            <a:r>
+              <a:rPr lang="es-ES" sz="2000" dirty="0"/>
+              <a:t> Forest (2.879)</a:t>
+            </a:r>
+          </a:p>
+        </p:txBody>
+      </p:sp>
+      <p:pic>
+        <p:nvPicPr>
+          <p:cNvPr id="9" name="Imagen 8">
+            <a:extLst>
+              <a:ext uri="{FF2B5EF4-FFF2-40B4-BE49-F238E27FC236}">
+                <a16:creationId xmlns:a16="http://schemas.microsoft.com/office/drawing/2014/main" xmlns="" id="{F0AD18DA-9DEE-429B-89FC-D7849F52BE65}"/>
+              </a:ext>
+            </a:extLst>
+          </p:cNvPr>
+          <p:cNvPicPr>
+            <a:picLocks noChangeAspect="1"/>
+          </p:cNvPicPr>
+          <p:nvPr/>
+        </p:nvPicPr>
+        <p:blipFill>
+          <a:blip r:embed="rId7"/>
+          <a:stretch>
+            <a:fillRect/>
+          </a:stretch>
+        </p:blipFill>
+        <p:spPr>
+          <a:xfrm>
+            <a:off x="7115834" y="3918684"/>
+            <a:ext cx="1279225" cy="1201957"/>
+          </a:xfrm>
+          <a:prstGeom prst="rect">
+            <a:avLst/>
+          </a:prstGeom>
+        </p:spPr>
+      </p:pic>
+      <p:sp>
+        <p:nvSpPr>
+          <p:cNvPr id="10" name="Marcador de contenido 2">
+            <a:extLst>
+              <a:ext uri="{FF2B5EF4-FFF2-40B4-BE49-F238E27FC236}">
+                <a16:creationId xmlns:a16="http://schemas.microsoft.com/office/drawing/2014/main" xmlns="" id="{DD720400-CEB0-4E95-A878-D07100B6F600}"/>
+              </a:ext>
+            </a:extLst>
+          </p:cNvPr>
+          <p:cNvSpPr txBox="1">
+            <a:spLocks/>
+          </p:cNvSpPr>
+          <p:nvPr/>
+        </p:nvSpPr>
+        <p:spPr>
+          <a:xfrm>
+            <a:off x="356087" y="5242713"/>
+            <a:ext cx="8038972" cy="1201956"/>
+          </a:xfrm>
+          <a:prstGeom prst="rect">
+            <a:avLst/>
+          </a:prstGeom>
+        </p:spPr>
+        <p:txBody>
+          <a:bodyPr vert="horz" lIns="91440" tIns="45720" rIns="91440" bIns="45720" rtlCol="0">
+            <a:normAutofit/>
+          </a:bodyPr>
+          <a:lstStyle>
+            <a:lvl1pPr marL="463550" indent="-463550" algn="l" defTabSz="914400" rtl="0" eaLnBrk="1" latinLnBrk="0" hangingPunct="1">
+              <a:spcBef>
+                <a:spcPts val="2000"/>
+              </a:spcBef>
+              <a:buSzPct val="90000"/>
+              <a:buFontTx/>
+              <a:buBlip>
+                <a:blip r:embed="rId2"/>
+              </a:buBlip>
+              <a:defRPr sz="2400" kern="1200">
+                <a:solidFill>
+                  <a:schemeClr val="tx1"/>
+                </a:solidFill>
+                <a:latin typeface="+mn-lt"/>
+                <a:ea typeface="+mn-ea"/>
+                <a:cs typeface="+mn-cs"/>
+              </a:defRPr>
+            </a:lvl1pPr>
+            <a:lvl2pPr marL="914400" indent="-457200" algn="l" defTabSz="914400" rtl="0" eaLnBrk="1" latinLnBrk="0" hangingPunct="1">
+              <a:spcBef>
+                <a:spcPts val="600"/>
+              </a:spcBef>
+              <a:buSzPct val="90000"/>
+              <a:buFontTx/>
+              <a:buBlip>
+                <a:blip r:embed="rId3"/>
+              </a:buBlip>
+              <a:defRPr sz="2200" kern="1200">
+                <a:solidFill>
+                  <a:schemeClr val="tx1"/>
+                </a:solidFill>
+                <a:latin typeface="+mn-lt"/>
+                <a:ea typeface="+mn-ea"/>
+                <a:cs typeface="+mn-cs"/>
+              </a:defRPr>
+            </a:lvl2pPr>
+            <a:lvl3pPr marL="1255713" indent="-341313" algn="l" defTabSz="914400" rtl="0" eaLnBrk="1" latinLnBrk="0" hangingPunct="1">
+              <a:spcBef>
+                <a:spcPts val="600"/>
+              </a:spcBef>
+              <a:buSzPct val="90000"/>
+              <a:buFontTx/>
+              <a:buBlip>
+                <a:blip r:embed="rId4"/>
+              </a:buBlip>
+              <a:defRPr sz="2000" kern="1200">
+                <a:solidFill>
+                  <a:schemeClr val="tx1"/>
+                </a:solidFill>
+                <a:latin typeface="+mn-lt"/>
+                <a:ea typeface="+mn-ea"/>
+                <a:cs typeface="+mn-cs"/>
+              </a:defRPr>
+            </a:lvl3pPr>
+            <a:lvl4pPr marL="1597025" indent="-341313" algn="l" defTabSz="914400" rtl="0" eaLnBrk="1" latinLnBrk="0" hangingPunct="1">
+              <a:spcBef>
+                <a:spcPts val="600"/>
+              </a:spcBef>
+              <a:buSzPct val="90000"/>
+              <a:buFontTx/>
+              <a:buBlip>
+                <a:blip r:embed="rId4"/>
+              </a:buBlip>
+              <a:defRPr sz="1800" kern="1200">
+                <a:solidFill>
+                  <a:schemeClr val="tx1"/>
+                </a:solidFill>
+                <a:latin typeface="+mn-lt"/>
+                <a:ea typeface="+mn-ea"/>
+                <a:cs typeface="+mn-cs"/>
+              </a:defRPr>
+            </a:lvl4pPr>
+            <a:lvl5pPr marL="1938338" indent="-341313" algn="l" defTabSz="914400" rtl="0" eaLnBrk="1" latinLnBrk="0" hangingPunct="1">
+              <a:spcBef>
+                <a:spcPts val="600"/>
+              </a:spcBef>
+              <a:buSzPct val="90000"/>
+              <a:buFontTx/>
+              <a:buBlip>
+                <a:blip r:embed="rId4"/>
+              </a:buBlip>
+              <a:defRPr sz="1800" kern="1200">
+                <a:solidFill>
+                  <a:schemeClr val="tx1"/>
+                </a:solidFill>
+                <a:latin typeface="+mn-lt"/>
+                <a:ea typeface="+mn-ea"/>
+                <a:cs typeface="+mn-cs"/>
+              </a:defRPr>
+            </a:lvl5pPr>
+            <a:lvl6pPr marL="2290763" indent="-344488" algn="l" defTabSz="914400" rtl="0" eaLnBrk="1" latinLnBrk="0" hangingPunct="1">
+              <a:spcBef>
+                <a:spcPct val="20000"/>
+              </a:spcBef>
+              <a:buSzPct val="90000"/>
+              <a:buFontTx/>
+              <a:buBlip>
+                <a:blip r:embed="rId2"/>
+              </a:buBlip>
+              <a:defRPr lang="en-US" sz="1800" kern="1200" dirty="0" smtClean="0">
+                <a:solidFill>
+                  <a:schemeClr val="tx1"/>
+                </a:solidFill>
+                <a:latin typeface="+mn-lt"/>
+                <a:ea typeface="+mn-ea"/>
+                <a:cs typeface="+mn-cs"/>
+              </a:defRPr>
+            </a:lvl6pPr>
+            <a:lvl7pPr marL="2625725" indent="-344488" algn="l" defTabSz="914400" rtl="0" eaLnBrk="1" latinLnBrk="0" hangingPunct="1">
+              <a:spcBef>
+                <a:spcPct val="20000"/>
+              </a:spcBef>
+              <a:buSzPct val="90000"/>
+              <a:buFontTx/>
+              <a:buBlip>
+                <a:blip r:embed="rId4"/>
+              </a:buBlip>
+              <a:defRPr lang="en-US" sz="1800" kern="1200" dirty="0" smtClean="0">
+                <a:solidFill>
+                  <a:schemeClr val="tx1"/>
+                </a:solidFill>
+                <a:latin typeface="+mn-lt"/>
+                <a:ea typeface="+mn-ea"/>
+                <a:cs typeface="+mn-cs"/>
+              </a:defRPr>
+            </a:lvl7pPr>
+            <a:lvl8pPr marL="2970213" indent="-344488" algn="l" defTabSz="914400" rtl="0" eaLnBrk="1" latinLnBrk="0" hangingPunct="1">
+              <a:spcBef>
+                <a:spcPct val="20000"/>
+              </a:spcBef>
+              <a:buSzPct val="90000"/>
+              <a:buFontTx/>
+              <a:buBlip>
+                <a:blip r:embed="rId2"/>
+              </a:buBlip>
+              <a:defRPr lang="en-US" sz="1800" kern="1200" dirty="0" smtClean="0">
+                <a:solidFill>
+                  <a:schemeClr val="tx1"/>
+                </a:solidFill>
+                <a:latin typeface="+mn-lt"/>
+                <a:ea typeface="+mn-ea"/>
+                <a:cs typeface="+mn-cs"/>
+              </a:defRPr>
+            </a:lvl8pPr>
+            <a:lvl9pPr marL="3313113" indent="-344488" algn="l" defTabSz="914400" rtl="0" eaLnBrk="1" latinLnBrk="0" hangingPunct="1">
+              <a:spcBef>
+                <a:spcPct val="20000"/>
+              </a:spcBef>
+              <a:buSzPct val="90000"/>
+              <a:buFontTx/>
+              <a:buBlip>
+                <a:blip r:embed="rId3"/>
+              </a:buBlip>
+              <a:defRPr lang="en-US" sz="1800" kern="1200" dirty="0">
+                <a:solidFill>
+                  <a:schemeClr val="tx1"/>
+                </a:solidFill>
+                <a:latin typeface="+mn-lt"/>
+                <a:ea typeface="+mn-ea"/>
+                <a:cs typeface="+mn-cs"/>
+              </a:defRPr>
+            </a:lvl9pPr>
+          </a:lstStyle>
+          <a:p>
+            <a:pPr algn="just"/>
+            <a:r>
+              <a:rPr lang="es-ES" sz="2000" b="1" dirty="0"/>
+              <a:t>Selección Final: </a:t>
+            </a:r>
+            <a:r>
+              <a:rPr lang="es-ES" sz="2000" dirty="0"/>
+              <a:t>Teniendo en cuenta  que el menor MSE se dio en </a:t>
+            </a:r>
+            <a:r>
+              <a:rPr lang="es-ES" sz="2000" dirty="0" err="1"/>
+              <a:t>Gradient</a:t>
+            </a:r>
+            <a:r>
+              <a:rPr lang="es-ES" sz="2000" dirty="0"/>
+              <a:t> </a:t>
+            </a:r>
+            <a:r>
+              <a:rPr lang="es-ES" sz="2000" dirty="0" err="1"/>
+              <a:t>Boost</a:t>
+            </a:r>
+            <a:r>
+              <a:rPr lang="es-ES" sz="2000" dirty="0"/>
+              <a:t>, lo </a:t>
+            </a:r>
+            <a:r>
+              <a:rPr lang="es-ES" sz="2000" dirty="0" err="1"/>
+              <a:t>utilizmaos</a:t>
+            </a:r>
+            <a:r>
+              <a:rPr lang="es-ES" sz="2000" dirty="0"/>
+              <a:t> para participar en la competencia. Quedando en el 30% superior de la clasificación.</a:t>
+            </a:r>
           </a:p>
         </p:txBody>
       </p:sp>
     </p:spTree>
     <p:extLst>
       <p:ext uri="{BB962C8B-B14F-4D97-AF65-F5344CB8AC3E}">
-        <p14:creationId xmlns:p14="http://schemas.microsoft.com/office/powerpoint/2010/main" val="497957346"/>
+        <p14:creationId xmlns:p14="http://schemas.microsoft.com/office/powerpoint/2010/main" val="160825802"/>
       </p:ext>
     </p:extLst>
   </p:cSld>
